--- a/docs/Lectures/Week10/Week9_Decision-Tree-Part02.pptx
+++ b/docs/Lectures/Week10/Week9_Decision-Tree-Part02.pptx
@@ -207,7 +207,7 @@
           <a:p>
             <a:fld id="{B696F2DA-24C0-4B85-B3DC-FA6F4BB684E2}" type="datetimeFigureOut">
               <a:rPr lang="en-US" smtClean="0"/>
-              <a:t>3/19/2025</a:t>
+              <a:t>3/20/2025</a:t>
             </a:fld>
             <a:endParaRPr lang="en-US"/>
           </a:p>
@@ -712,7 +712,7 @@
           <a:p>
             <a:fld id="{ED291B17-9318-49DB-B28B-6E5994AE9581}" type="datetime1">
               <a:rPr lang="en-US" smtClean="0"/>
-              <a:t>3/19/2025</a:t>
+              <a:t>3/20/2025</a:t>
             </a:fld>
             <a:endParaRPr lang="en-US" dirty="0"/>
           </a:p>
@@ -915,7 +915,7 @@
           <a:p>
             <a:fld id="{2CED4963-E985-44C4-B8C4-FDD613B7C2F8}" type="datetime1">
               <a:rPr lang="en-US" smtClean="0"/>
-              <a:t>3/19/2025</a:t>
+              <a:t>3/20/2025</a:t>
             </a:fld>
             <a:endParaRPr lang="en-US" dirty="0"/>
           </a:p>
@@ -1277,7 +1277,7 @@
           <a:p>
             <a:fld id="{ED291B17-9318-49DB-B28B-6E5994AE9581}" type="datetime1">
               <a:rPr lang="en-US" smtClean="0"/>
-              <a:t>3/19/2025</a:t>
+              <a:t>3/20/2025</a:t>
             </a:fld>
             <a:endParaRPr lang="en-US" dirty="0"/>
           </a:p>
@@ -1587,7 +1587,7 @@
           <a:p>
             <a:fld id="{ED291B17-9318-49DB-B28B-6E5994AE9581}" type="datetime1">
               <a:rPr lang="en-US" smtClean="0"/>
-              <a:t>3/19/2025</a:t>
+              <a:t>3/20/2025</a:t>
             </a:fld>
             <a:endParaRPr lang="en-US" dirty="0"/>
           </a:p>
@@ -1784,7 +1784,7 @@
           <a:p>
             <a:fld id="{78DD82B9-B8EE-4375-B6FF-88FA6ABB15D9}" type="datetime1">
               <a:rPr lang="en-US" smtClean="0"/>
-              <a:t>3/19/2025</a:t>
+              <a:t>3/20/2025</a:t>
             </a:fld>
             <a:endParaRPr lang="en-US" dirty="0"/>
           </a:p>
@@ -2095,7 +2095,7 @@
           <a:p>
             <a:fld id="{B2497495-0637-405E-AE64-5CC7506D51F5}" type="datetime1">
               <a:rPr lang="en-US" smtClean="0"/>
-              <a:t>3/19/2025</a:t>
+              <a:t>3/20/2025</a:t>
             </a:fld>
             <a:endParaRPr lang="en-US" dirty="0"/>
           </a:p>
@@ -2348,7 +2348,7 @@
           <a:p>
             <a:fld id="{7BFFD690-9426-415D-8B65-26881E07B2D4}" type="datetime1">
               <a:rPr lang="en-US" smtClean="0"/>
-              <a:t>3/19/2025</a:t>
+              <a:t>3/20/2025</a:t>
             </a:fld>
             <a:endParaRPr lang="en-US" dirty="0"/>
           </a:p>
@@ -2770,7 +2770,7 @@
           <a:p>
             <a:fld id="{04C4989A-474C-40DE-95B9-011C28B71673}" type="datetime1">
               <a:rPr lang="en-US" smtClean="0"/>
-              <a:t>3/19/2025</a:t>
+              <a:t>3/20/2025</a:t>
             </a:fld>
             <a:endParaRPr lang="en-US" dirty="0"/>
           </a:p>
@@ -2893,7 +2893,7 @@
           <a:p>
             <a:fld id="{5DB4ED54-5B5E-4A04-93D3-5772E3CE3818}" type="datetime1">
               <a:rPr lang="en-US" smtClean="0"/>
-              <a:t>3/19/2025</a:t>
+              <a:t>3/20/2025</a:t>
             </a:fld>
             <a:endParaRPr lang="en-US" dirty="0"/>
           </a:p>
@@ -2988,7 +2988,7 @@
           <a:p>
             <a:fld id="{4EDE50D6-574B-40AF-946F-D52A04ADE379}" type="datetime1">
               <a:rPr lang="en-US" smtClean="0"/>
-              <a:t>3/19/2025</a:t>
+              <a:t>3/20/2025</a:t>
             </a:fld>
             <a:endParaRPr lang="en-US" dirty="0"/>
           </a:p>
@@ -3364,7 +3364,7 @@
           <a:p>
             <a:fld id="{D82884F1-FFEA-405F-9602-3DCA865EDA4E}" type="datetime1">
               <a:rPr lang="en-US" smtClean="0"/>
-              <a:t>3/19/2025</a:t>
+              <a:t>3/20/2025</a:t>
             </a:fld>
             <a:endParaRPr lang="en-US" dirty="0"/>
           </a:p>
@@ -3571,7 +3571,7 @@
           <a:p>
             <a:fld id="{78DD82B9-B8EE-4375-B6FF-88FA6ABB15D9}" type="datetime1">
               <a:rPr lang="en-US" smtClean="0"/>
-              <a:t>3/19/2025</a:t>
+              <a:t>3/20/2025</a:t>
             </a:fld>
             <a:endParaRPr lang="en-US" dirty="0"/>
           </a:p>
@@ -3853,7 +3853,7 @@
           <a:p>
             <a:fld id="{7E18DB4A-8810-4A10-AD5C-D5E2C667F5B3}" type="datetime1">
               <a:rPr lang="en-US" smtClean="0"/>
-              <a:t>3/19/2025</a:t>
+              <a:t>3/20/2025</a:t>
             </a:fld>
             <a:endParaRPr lang="en-US" dirty="0"/>
           </a:p>
@@ -4045,7 +4045,7 @@
           <a:p>
             <a:fld id="{2CED4963-E985-44C4-B8C4-FDD613B7C2F8}" type="datetime1">
               <a:rPr lang="en-US" smtClean="0"/>
-              <a:t>3/19/2025</a:t>
+              <a:t>3/20/2025</a:t>
             </a:fld>
             <a:endParaRPr lang="en-US" dirty="0"/>
           </a:p>
@@ -4406,7 +4406,7 @@
           <a:p>
             <a:fld id="{ED291B17-9318-49DB-B28B-6E5994AE9581}" type="datetime1">
               <a:rPr lang="en-US" smtClean="0"/>
-              <a:t>3/19/2025</a:t>
+              <a:t>3/20/2025</a:t>
             </a:fld>
             <a:endParaRPr lang="en-US" dirty="0"/>
           </a:p>
@@ -4882,7 +4882,7 @@
           <a:p>
             <a:fld id="{B2497495-0637-405E-AE64-5CC7506D51F5}" type="datetime1">
               <a:rPr lang="en-US" smtClean="0"/>
-              <a:t>3/19/2025</a:t>
+              <a:t>3/20/2025</a:t>
             </a:fld>
             <a:endParaRPr lang="en-US" dirty="0"/>
           </a:p>
@@ -5133,7 +5133,7 @@
           <a:p>
             <a:fld id="{7BFFD690-9426-415D-8B65-26881E07B2D4}" type="datetime1">
               <a:rPr lang="en-US" smtClean="0"/>
-              <a:t>3/19/2025</a:t>
+              <a:t>3/20/2025</a:t>
             </a:fld>
             <a:endParaRPr lang="en-US" dirty="0"/>
           </a:p>
@@ -5553,7 +5553,7 @@
           <a:p>
             <a:fld id="{04C4989A-474C-40DE-95B9-011C28B71673}" type="datetime1">
               <a:rPr lang="en-US" smtClean="0"/>
-              <a:t>3/19/2025</a:t>
+              <a:t>3/20/2025</a:t>
             </a:fld>
             <a:endParaRPr lang="en-US" dirty="0"/>
           </a:p>
@@ -5676,7 +5676,7 @@
           <a:p>
             <a:fld id="{5DB4ED54-5B5E-4A04-93D3-5772E3CE3818}" type="datetime1">
               <a:rPr lang="en-US" smtClean="0"/>
-              <a:t>3/19/2025</a:t>
+              <a:t>3/20/2025</a:t>
             </a:fld>
             <a:endParaRPr lang="en-US" dirty="0"/>
           </a:p>
@@ -5771,7 +5771,7 @@
           <a:p>
             <a:fld id="{4EDE50D6-574B-40AF-946F-D52A04ADE379}" type="datetime1">
               <a:rPr lang="en-US" smtClean="0"/>
-              <a:t>3/19/2025</a:t>
+              <a:t>3/20/2025</a:t>
             </a:fld>
             <a:endParaRPr lang="en-US" dirty="0"/>
           </a:p>
@@ -6147,7 +6147,7 @@
           <a:p>
             <a:fld id="{D82884F1-FFEA-405F-9602-3DCA865EDA4E}" type="datetime1">
               <a:rPr lang="en-US" smtClean="0"/>
-              <a:t>3/19/2025</a:t>
+              <a:t>3/20/2025</a:t>
             </a:fld>
             <a:endParaRPr lang="en-US" dirty="0"/>
           </a:p>
@@ -6440,7 +6440,7 @@
           <a:p>
             <a:fld id="{7E18DB4A-8810-4A10-AD5C-D5E2C667F5B3}" type="datetime1">
               <a:rPr lang="en-US" smtClean="0"/>
-              <a:t>3/19/2025</a:t>
+              <a:t>3/20/2025</a:t>
             </a:fld>
             <a:endParaRPr lang="en-US" dirty="0"/>
           </a:p>
@@ -6655,7 +6655,7 @@
           <a:p>
             <a:fld id="{ED291B17-9318-49DB-B28B-6E5994AE9581}" type="datetime1">
               <a:rPr lang="en-US" smtClean="0"/>
-              <a:t>3/19/2025</a:t>
+              <a:t>3/20/2025</a:t>
             </a:fld>
             <a:endParaRPr lang="en-US" dirty="0"/>
           </a:p>
@@ -7434,7 +7434,7 @@
           <a:p>
             <a:fld id="{ED291B17-9318-49DB-B28B-6E5994AE9581}" type="datetime1">
               <a:rPr lang="en-US" smtClean="0"/>
-              <a:t>3/19/2025</a:t>
+              <a:t>3/20/2025</a:t>
             </a:fld>
             <a:endParaRPr lang="en-US" dirty="0"/>
           </a:p>
@@ -9864,8 +9864,8 @@
           </a:p>
         </p:txBody>
       </p:sp>
-      <mc:AlternateContent xmlns:mc="http://schemas.openxmlformats.org/markup-compatibility/2006">
-        <mc:Choice xmlns:a14="http://schemas.microsoft.com/office/drawing/2010/main" Requires="a14">
+      <mc:AlternateContent xmlns:mc="http://schemas.openxmlformats.org/markup-compatibility/2006" xmlns:a14="http://schemas.microsoft.com/office/drawing/2010/main">
+        <mc:Choice Requires="a14">
           <p:sp>
             <p:nvSpPr>
               <p:cNvPr id="11" name="TextBox 10">
@@ -10241,7 +10241,7 @@
             </p:txBody>
           </p:sp>
         </mc:Choice>
-        <mc:Fallback>
+        <mc:Fallback xmlns="">
           <p:sp>
             <p:nvSpPr>
               <p:cNvPr id="11" name="TextBox 10">
@@ -10619,38 +10619,6 @@
           </a:p>
         </p:txBody>
       </p:sp>
-      <p:pic>
-        <p:nvPicPr>
-          <p:cNvPr id="4" name="Content Placeholder 3">
-            <a:extLst>
-              <a:ext uri="{FF2B5EF4-FFF2-40B4-BE49-F238E27FC236}">
-                <a16:creationId xmlns:a16="http://schemas.microsoft.com/office/drawing/2014/main" id="{62DBB7E6-25AB-D65B-C986-F1E21ECF17F6}"/>
-              </a:ext>
-            </a:extLst>
-          </p:cNvPr>
-          <p:cNvPicPr>
-            <a:picLocks noGrp="1" noChangeAspect="1"/>
-          </p:cNvPicPr>
-          <p:nvPr>
-            <p:ph idx="1"/>
-          </p:nvPr>
-        </p:nvPicPr>
-        <p:blipFill>
-          <a:blip r:embed="rId2"/>
-          <a:stretch>
-            <a:fillRect/>
-          </a:stretch>
-        </p:blipFill>
-        <p:spPr>
-          <a:xfrm>
-            <a:off x="1176337" y="3041353"/>
-            <a:ext cx="9839325" cy="2333625"/>
-          </a:xfrm>
-          <a:prstGeom prst="rect">
-            <a:avLst/>
-          </a:prstGeom>
-        </p:spPr>
-      </p:pic>
       <p:sp>
         <p:nvSpPr>
           <p:cNvPr id="6" name="TextBox 5">
@@ -10707,6 +10675,66 @@
           </a:p>
         </p:txBody>
       </p:sp>
+      <p:pic>
+        <p:nvPicPr>
+          <p:cNvPr id="8" name="Picture 7">
+            <a:extLst>
+              <a:ext uri="{FF2B5EF4-FFF2-40B4-BE49-F238E27FC236}">
+                <a16:creationId xmlns:a16="http://schemas.microsoft.com/office/drawing/2014/main" id="{4758086A-CA00-A267-3DC1-EC888EECA3BD}"/>
+              </a:ext>
+            </a:extLst>
+          </p:cNvPr>
+          <p:cNvPicPr>
+            <a:picLocks noChangeAspect="1"/>
+          </p:cNvPicPr>
+          <p:nvPr/>
+        </p:nvPicPr>
+        <p:blipFill>
+          <a:blip r:embed="rId2"/>
+          <a:stretch>
+            <a:fillRect/>
+          </a:stretch>
+        </p:blipFill>
+        <p:spPr>
+          <a:xfrm>
+            <a:off x="1070150" y="3060467"/>
+            <a:ext cx="10189029" cy="2405743"/>
+          </a:xfrm>
+          <a:prstGeom prst="rect">
+            <a:avLst/>
+          </a:prstGeom>
+        </p:spPr>
+      </p:pic>
+      <p:pic>
+        <p:nvPicPr>
+          <p:cNvPr id="10" name="Picture 9">
+            <a:extLst>
+              <a:ext uri="{FF2B5EF4-FFF2-40B4-BE49-F238E27FC236}">
+                <a16:creationId xmlns:a16="http://schemas.microsoft.com/office/drawing/2014/main" id="{C2F80572-688E-C5B7-299D-F7CFB773B7A3}"/>
+              </a:ext>
+            </a:extLst>
+          </p:cNvPr>
+          <p:cNvPicPr>
+            <a:picLocks noChangeAspect="1"/>
+          </p:cNvPicPr>
+          <p:nvPr/>
+        </p:nvPicPr>
+        <p:blipFill>
+          <a:blip r:embed="rId3"/>
+          <a:stretch>
+            <a:fillRect/>
+          </a:stretch>
+        </p:blipFill>
+        <p:spPr>
+          <a:xfrm>
+            <a:off x="7854094" y="5151602"/>
+            <a:ext cx="3267756" cy="1119249"/>
+          </a:xfrm>
+          <a:prstGeom prst="rect">
+            <a:avLst/>
+          </a:prstGeom>
+        </p:spPr>
+      </p:pic>
     </p:spTree>
     <p:extLst>
       <p:ext uri="{BB962C8B-B14F-4D97-AF65-F5344CB8AC3E}">
@@ -12514,6 +12542,14 @@
 </file>
 
 <file path=customXml/item1.xml><?xml version="1.0" encoding="utf-8"?>
+<p:properties xmlns:p="http://schemas.microsoft.com/office/2006/metadata/properties" xmlns:xsi="http://www.w3.org/2001/XMLSchema-instance" xmlns:pc="http://schemas.microsoft.com/office/infopath/2007/PartnerControls">
+  <documentManagement>
+    <_activity xmlns="8568f56f-95be-480d-9847-691e388c16c7" xsi:nil="true"/>
+  </documentManagement>
+</p:properties>
+</file>
+
+<file path=customXml/item2.xml><?xml version="1.0" encoding="utf-8"?>
 <ct:contentTypeSchema xmlns:ct="http://schemas.microsoft.com/office/2006/metadata/contentType" xmlns:ma="http://schemas.microsoft.com/office/2006/metadata/properties/metaAttributes" ct:_="" ma:_="" ma:contentTypeName="Document" ma:contentTypeID="0x0101000747223789A2B5459313374F6355700B" ma:contentTypeVersion="17" ma:contentTypeDescription="Create a new document." ma:contentTypeScope="" ma:versionID="392feb83960aeb7831dd884106571ec0">
   <xsd:schema xmlns:xsd="http://www.w3.org/2001/XMLSchema" xmlns:xs="http://www.w3.org/2001/XMLSchema" xmlns:p="http://schemas.microsoft.com/office/2006/metadata/properties" xmlns:ns3="8568f56f-95be-480d-9847-691e388c16c7" xmlns:ns4="55df151c-6499-4cc8-98d3-d565bf78f430" targetNamespace="http://schemas.microsoft.com/office/2006/metadata/properties" ma:root="true" ma:fieldsID="dc102bafde6d781d5dcf64ea7bbda52a" ns3:_="" ns4:_="">
     <xsd:import namespace="8568f56f-95be-480d-9847-691e388c16c7"/>
@@ -12760,14 +12796,6 @@
 </ct:contentTypeSchema>
 </file>
 
-<file path=customXml/item2.xml><?xml version="1.0" encoding="utf-8"?>
-<p:properties xmlns:p="http://schemas.microsoft.com/office/2006/metadata/properties" xmlns:xsi="http://www.w3.org/2001/XMLSchema-instance" xmlns:pc="http://schemas.microsoft.com/office/infopath/2007/PartnerControls">
-  <documentManagement>
-    <_activity xmlns="8568f56f-95be-480d-9847-691e388c16c7" xsi:nil="true"/>
-  </documentManagement>
-</p:properties>
-</file>
-
 <file path=customXml/item3.xml><?xml version="1.0" encoding="utf-8"?>
 <?mso-contentType ?>
 <FormTemplates xmlns="http://schemas.microsoft.com/sharepoint/v3/contenttype/forms">
@@ -12778,6 +12806,23 @@
 </file>
 
 <file path=customXml/itemProps1.xml><?xml version="1.0" encoding="utf-8"?>
+<ds:datastoreItem xmlns:ds="http://schemas.openxmlformats.org/officeDocument/2006/customXml" ds:itemID="{64926E09-10F9-4908-B49D-70144A5FC6EA}">
+  <ds:schemaRefs>
+    <ds:schemaRef ds:uri="http://schemas.microsoft.com/office/2006/metadata/properties"/>
+    <ds:schemaRef ds:uri="http://schemas.microsoft.com/office/infopath/2007/PartnerControls"/>
+    <ds:schemaRef ds:uri="http://schemas.microsoft.com/office/2006/documentManagement/types"/>
+    <ds:schemaRef ds:uri="http://purl.org/dc/elements/1.1/"/>
+    <ds:schemaRef ds:uri="55df151c-6499-4cc8-98d3-d565bf78f430"/>
+    <ds:schemaRef ds:uri="http://schemas.openxmlformats.org/package/2006/metadata/core-properties"/>
+    <ds:schemaRef ds:uri="http://purl.org/dc/terms/"/>
+    <ds:schemaRef ds:uri="8568f56f-95be-480d-9847-691e388c16c7"/>
+    <ds:schemaRef ds:uri="http://www.w3.org/XML/1998/namespace"/>
+    <ds:schemaRef ds:uri="http://purl.org/dc/dcmitype/"/>
+  </ds:schemaRefs>
+</ds:datastoreItem>
+</file>
+
+<file path=customXml/itemProps2.xml><?xml version="1.0" encoding="utf-8"?>
 <ds:datastoreItem xmlns:ds="http://schemas.openxmlformats.org/officeDocument/2006/customXml" ds:itemID="{BEB71C5A-6A82-4048-A40A-CDCB24C25624}">
   <ds:schemaRefs>
     <ds:schemaRef ds:uri="http://schemas.microsoft.com/office/2006/metadata/contentType"/>
@@ -12796,23 +12841,6 @@
 </ds:datastoreItem>
 </file>
 
-<file path=customXml/itemProps2.xml><?xml version="1.0" encoding="utf-8"?>
-<ds:datastoreItem xmlns:ds="http://schemas.openxmlformats.org/officeDocument/2006/customXml" ds:itemID="{64926E09-10F9-4908-B49D-70144A5FC6EA}">
-  <ds:schemaRefs>
-    <ds:schemaRef ds:uri="http://schemas.microsoft.com/office/2006/metadata/properties"/>
-    <ds:schemaRef ds:uri="http://schemas.microsoft.com/office/infopath/2007/PartnerControls"/>
-    <ds:schemaRef ds:uri="http://schemas.microsoft.com/office/2006/documentManagement/types"/>
-    <ds:schemaRef ds:uri="http://purl.org/dc/elements/1.1/"/>
-    <ds:schemaRef ds:uri="55df151c-6499-4cc8-98d3-d565bf78f430"/>
-    <ds:schemaRef ds:uri="http://schemas.openxmlformats.org/package/2006/metadata/core-properties"/>
-    <ds:schemaRef ds:uri="http://purl.org/dc/terms/"/>
-    <ds:schemaRef ds:uri="8568f56f-95be-480d-9847-691e388c16c7"/>
-    <ds:schemaRef ds:uri="http://www.w3.org/XML/1998/namespace"/>
-    <ds:schemaRef ds:uri="http://purl.org/dc/dcmitype/"/>
-  </ds:schemaRefs>
-</ds:datastoreItem>
-</file>
-
 <file path=customXml/itemProps3.xml><?xml version="1.0" encoding="utf-8"?>
 <ds:datastoreItem xmlns:ds="http://schemas.openxmlformats.org/officeDocument/2006/customXml" ds:itemID="{DF77006A-693A-4CB1-AAAC-65D17757C730}">
   <ds:schemaRefs>

--- a/docs/Lectures/Week10/Week9_Decision-Tree-Part02.pptx
+++ b/docs/Lectures/Week10/Week9_Decision-Tree-Part02.pptx
@@ -6,7 +6,7 @@
     <p:sldMasterId id="2147483686" r:id="rId5"/>
   </p:sldMasterIdLst>
   <p:notesMasterIdLst>
-    <p:notesMasterId r:id="rId16"/>
+    <p:notesMasterId r:id="rId18"/>
   </p:notesMasterIdLst>
   <p:sldIdLst>
     <p:sldId id="256" r:id="rId6"/>
@@ -15,10 +15,12 @@
     <p:sldId id="939" r:id="rId9"/>
     <p:sldId id="936" r:id="rId10"/>
     <p:sldId id="938" r:id="rId11"/>
-    <p:sldId id="935" r:id="rId12"/>
-    <p:sldId id="933" r:id="rId13"/>
-    <p:sldId id="928" r:id="rId14"/>
-    <p:sldId id="265" r:id="rId15"/>
+    <p:sldId id="940" r:id="rId12"/>
+    <p:sldId id="935" r:id="rId13"/>
+    <p:sldId id="941" r:id="rId14"/>
+    <p:sldId id="942" r:id="rId15"/>
+    <p:sldId id="928" r:id="rId16"/>
+    <p:sldId id="265" r:id="rId17"/>
   </p:sldIdLst>
   <p:sldSz cx="12192000" cy="6858000"/>
   <p:notesSz cx="6858000" cy="9144000"/>
@@ -8463,6 +8465,905 @@
   <p:cSld>
     <p:spTree>
       <p:nvGrpSpPr>
+        <p:cNvPr id="1" name=""/>
+        <p:cNvGrpSpPr/>
+        <p:nvPr/>
+      </p:nvGrpSpPr>
+      <p:grpSpPr>
+        <a:xfrm>
+          <a:off x="0" y="0"/>
+          <a:ext cx="0" cy="0"/>
+          <a:chOff x="0" y="0"/>
+          <a:chExt cx="0" cy="0"/>
+        </a:xfrm>
+      </p:grpSpPr>
+      <p:sp>
+        <p:nvSpPr>
+          <p:cNvPr id="2" name="Title 1">
+            <a:extLst>
+              <a:ext uri="{FF2B5EF4-FFF2-40B4-BE49-F238E27FC236}">
+                <a16:creationId xmlns:a16="http://schemas.microsoft.com/office/drawing/2014/main" id="{B7806747-1412-BC45-A9FA-3D869952FABB}"/>
+              </a:ext>
+            </a:extLst>
+          </p:cNvPr>
+          <p:cNvSpPr>
+            <a:spLocks noGrp="1"/>
+          </p:cNvSpPr>
+          <p:nvPr>
+            <p:ph type="title"/>
+          </p:nvPr>
+        </p:nvSpPr>
+        <p:spPr>
+          <a:xfrm>
+            <a:off x="581192" y="591094"/>
+            <a:ext cx="11029616" cy="587148"/>
+          </a:xfrm>
+        </p:spPr>
+        <p:txBody>
+          <a:bodyPr/>
+          <a:lstStyle/>
+          <a:p>
+            <a:r>
+              <a:rPr lang="en-US" altLang="zh-CN" dirty="0"/>
+              <a:t>Prediction result</a:t>
+            </a:r>
+            <a:endParaRPr lang="zh-CN" altLang="en-US" dirty="0"/>
+          </a:p>
+        </p:txBody>
+      </p:sp>
+      <p:sp>
+        <p:nvSpPr>
+          <p:cNvPr id="3" name="Content Placeholder 2">
+            <a:extLst>
+              <a:ext uri="{FF2B5EF4-FFF2-40B4-BE49-F238E27FC236}">
+                <a16:creationId xmlns:a16="http://schemas.microsoft.com/office/drawing/2014/main" id="{127C38CC-292F-DE99-2AF2-93F415D1D2FD}"/>
+              </a:ext>
+            </a:extLst>
+          </p:cNvPr>
+          <p:cNvSpPr>
+            <a:spLocks noGrp="1"/>
+          </p:cNvSpPr>
+          <p:nvPr>
+            <p:ph idx="1"/>
+          </p:nvPr>
+        </p:nvSpPr>
+        <p:spPr>
+          <a:xfrm>
+            <a:off x="663489" y="1220057"/>
+            <a:ext cx="1887688" cy="587148"/>
+          </a:xfrm>
+        </p:spPr>
+        <p:txBody>
+          <a:bodyPr/>
+          <a:lstStyle/>
+          <a:p>
+            <a:r>
+              <a:rPr lang="en-US" altLang="zh-CN" dirty="0"/>
+              <a:t>Prune Tree</a:t>
+            </a:r>
+            <a:endParaRPr lang="zh-CN" altLang="en-US" dirty="0"/>
+          </a:p>
+        </p:txBody>
+      </p:sp>
+      <p:pic>
+        <p:nvPicPr>
+          <p:cNvPr id="7" name="Picture 6">
+            <a:extLst>
+              <a:ext uri="{FF2B5EF4-FFF2-40B4-BE49-F238E27FC236}">
+                <a16:creationId xmlns:a16="http://schemas.microsoft.com/office/drawing/2014/main" id="{3C919B24-82C8-70F7-9AFF-BD96AC8AD5F9}"/>
+              </a:ext>
+            </a:extLst>
+          </p:cNvPr>
+          <p:cNvPicPr>
+            <a:picLocks noChangeAspect="1"/>
+          </p:cNvPicPr>
+          <p:nvPr/>
+        </p:nvPicPr>
+        <p:blipFill>
+          <a:blip r:embed="rId2"/>
+          <a:stretch>
+            <a:fillRect/>
+          </a:stretch>
+        </p:blipFill>
+        <p:spPr>
+          <a:xfrm>
+            <a:off x="3342894" y="1807205"/>
+            <a:ext cx="7136130" cy="1824894"/>
+          </a:xfrm>
+          <a:prstGeom prst="rect">
+            <a:avLst/>
+          </a:prstGeom>
+        </p:spPr>
+      </p:pic>
+      <p:sp>
+        <p:nvSpPr>
+          <p:cNvPr id="8" name="Content Placeholder 2">
+            <a:extLst>
+              <a:ext uri="{FF2B5EF4-FFF2-40B4-BE49-F238E27FC236}">
+                <a16:creationId xmlns:a16="http://schemas.microsoft.com/office/drawing/2014/main" id="{ED17B56A-66C2-6228-E413-A71EFA8ABB5D}"/>
+              </a:ext>
+            </a:extLst>
+          </p:cNvPr>
+          <p:cNvSpPr txBox="1">
+            <a:spLocks/>
+          </p:cNvSpPr>
+          <p:nvPr/>
+        </p:nvSpPr>
+        <p:spPr>
+          <a:xfrm>
+            <a:off x="663489" y="3740753"/>
+            <a:ext cx="1887688" cy="587148"/>
+          </a:xfrm>
+          <a:prstGeom prst="rect">
+            <a:avLst/>
+          </a:prstGeom>
+        </p:spPr>
+        <p:txBody>
+          <a:bodyPr vert="horz" lIns="91440" tIns="45720" rIns="91440" bIns="45720" rtlCol="0" anchor="ctr">
+            <a:normAutofit/>
+          </a:bodyPr>
+          <a:lstStyle>
+            <a:lvl1pPr marL="306000" indent="-306000" algn="l" defTabSz="457200" rtl="0" eaLnBrk="1" latinLnBrk="0" hangingPunct="1">
+              <a:lnSpc>
+                <a:spcPct val="100000"/>
+              </a:lnSpc>
+              <a:spcBef>
+                <a:spcPct val="20000"/>
+              </a:spcBef>
+              <a:spcAft>
+                <a:spcPts val="600"/>
+              </a:spcAft>
+              <a:buClr>
+                <a:schemeClr val="accent1"/>
+              </a:buClr>
+              <a:buSzPct val="92000"/>
+              <a:buFont typeface="Wingdings 2" panose="05020102010507070707" pitchFamily="18" charset="2"/>
+              <a:buChar char=""/>
+              <a:defRPr sz="1800" kern="1200">
+                <a:solidFill>
+                  <a:schemeClr val="tx1">
+                    <a:lumMod val="75000"/>
+                    <a:lumOff val="25000"/>
+                  </a:schemeClr>
+                </a:solidFill>
+                <a:latin typeface="+mn-lt"/>
+                <a:ea typeface="+mn-ea"/>
+                <a:cs typeface="+mn-cs"/>
+              </a:defRPr>
+            </a:lvl1pPr>
+            <a:lvl2pPr marL="630000" indent="-306000" algn="l" defTabSz="457200" rtl="0" eaLnBrk="1" latinLnBrk="0" hangingPunct="1">
+              <a:lnSpc>
+                <a:spcPct val="100000"/>
+              </a:lnSpc>
+              <a:spcBef>
+                <a:spcPct val="20000"/>
+              </a:spcBef>
+              <a:spcAft>
+                <a:spcPts val="600"/>
+              </a:spcAft>
+              <a:buClr>
+                <a:schemeClr val="accent1"/>
+              </a:buClr>
+              <a:buSzPct val="92000"/>
+              <a:buFont typeface="Wingdings 2" panose="05020102010507070707" pitchFamily="18" charset="2"/>
+              <a:buChar char=""/>
+              <a:defRPr sz="1600" kern="1200">
+                <a:solidFill>
+                  <a:schemeClr val="tx1">
+                    <a:lumMod val="75000"/>
+                    <a:lumOff val="25000"/>
+                  </a:schemeClr>
+                </a:solidFill>
+                <a:latin typeface="+mn-lt"/>
+                <a:ea typeface="+mn-ea"/>
+                <a:cs typeface="+mn-cs"/>
+              </a:defRPr>
+            </a:lvl2pPr>
+            <a:lvl3pPr marL="900000" indent="-270000" algn="l" defTabSz="457200" rtl="0" eaLnBrk="1" latinLnBrk="0" hangingPunct="1">
+              <a:lnSpc>
+                <a:spcPct val="100000"/>
+              </a:lnSpc>
+              <a:spcBef>
+                <a:spcPct val="20000"/>
+              </a:spcBef>
+              <a:spcAft>
+                <a:spcPts val="600"/>
+              </a:spcAft>
+              <a:buClr>
+                <a:schemeClr val="accent1"/>
+              </a:buClr>
+              <a:buSzPct val="92000"/>
+              <a:buFont typeface="Wingdings 2" panose="05020102010507070707" pitchFamily="18" charset="2"/>
+              <a:buChar char=""/>
+              <a:defRPr sz="1400" kern="1200">
+                <a:solidFill>
+                  <a:schemeClr val="tx1">
+                    <a:lumMod val="75000"/>
+                    <a:lumOff val="25000"/>
+                  </a:schemeClr>
+                </a:solidFill>
+                <a:latin typeface="+mn-lt"/>
+                <a:ea typeface="+mn-ea"/>
+                <a:cs typeface="+mn-cs"/>
+              </a:defRPr>
+            </a:lvl3pPr>
+            <a:lvl4pPr marL="1242000" indent="-234000" algn="l" defTabSz="457200" rtl="0" eaLnBrk="1" latinLnBrk="0" hangingPunct="1">
+              <a:lnSpc>
+                <a:spcPct val="100000"/>
+              </a:lnSpc>
+              <a:spcBef>
+                <a:spcPct val="20000"/>
+              </a:spcBef>
+              <a:spcAft>
+                <a:spcPts val="600"/>
+              </a:spcAft>
+              <a:buClr>
+                <a:schemeClr val="accent1"/>
+              </a:buClr>
+              <a:buSzPct val="92000"/>
+              <a:buFont typeface="Wingdings 2" panose="05020102010507070707" pitchFamily="18" charset="2"/>
+              <a:buChar char=""/>
+              <a:defRPr sz="1200" kern="1200">
+                <a:solidFill>
+                  <a:schemeClr val="tx1">
+                    <a:lumMod val="75000"/>
+                    <a:lumOff val="25000"/>
+                  </a:schemeClr>
+                </a:solidFill>
+                <a:latin typeface="+mn-lt"/>
+                <a:ea typeface="+mn-ea"/>
+                <a:cs typeface="+mn-cs"/>
+              </a:defRPr>
+            </a:lvl4pPr>
+            <a:lvl5pPr marL="1602000" indent="-234000" algn="l" defTabSz="457200" rtl="0" eaLnBrk="1" latinLnBrk="0" hangingPunct="1">
+              <a:lnSpc>
+                <a:spcPct val="100000"/>
+              </a:lnSpc>
+              <a:spcBef>
+                <a:spcPct val="20000"/>
+              </a:spcBef>
+              <a:spcAft>
+                <a:spcPts val="600"/>
+              </a:spcAft>
+              <a:buClr>
+                <a:schemeClr val="accent1"/>
+              </a:buClr>
+              <a:buSzPct val="92000"/>
+              <a:buFont typeface="Wingdings 2" panose="05020102010507070707" pitchFamily="18" charset="2"/>
+              <a:buChar char=""/>
+              <a:defRPr sz="1200" kern="1200">
+                <a:solidFill>
+                  <a:schemeClr val="tx1">
+                    <a:lumMod val="75000"/>
+                    <a:lumOff val="25000"/>
+                  </a:schemeClr>
+                </a:solidFill>
+                <a:latin typeface="+mn-lt"/>
+                <a:ea typeface="+mn-ea"/>
+                <a:cs typeface="+mn-cs"/>
+              </a:defRPr>
+            </a:lvl5pPr>
+            <a:lvl6pPr marL="1900000" indent="-228600" algn="l" defTabSz="457200" rtl="0" eaLnBrk="1" latinLnBrk="0" hangingPunct="1">
+              <a:spcBef>
+                <a:spcPct val="20000"/>
+              </a:spcBef>
+              <a:spcAft>
+                <a:spcPts val="600"/>
+              </a:spcAft>
+              <a:buClr>
+                <a:schemeClr val="accent2"/>
+              </a:buClr>
+              <a:buSzPct val="92000"/>
+              <a:buFont typeface="Wingdings 2" panose="05020102010507070707" pitchFamily="18" charset="2"/>
+              <a:buChar char=""/>
+              <a:defRPr sz="1200" kern="1200">
+                <a:solidFill>
+                  <a:schemeClr val="tx2"/>
+                </a:solidFill>
+                <a:latin typeface="+mn-lt"/>
+                <a:ea typeface="+mn-ea"/>
+                <a:cs typeface="+mn-cs"/>
+              </a:defRPr>
+            </a:lvl6pPr>
+            <a:lvl7pPr marL="2200000" indent="-228600" algn="l" defTabSz="457200" rtl="0" eaLnBrk="1" latinLnBrk="0" hangingPunct="1">
+              <a:spcBef>
+                <a:spcPct val="20000"/>
+              </a:spcBef>
+              <a:spcAft>
+                <a:spcPts val="600"/>
+              </a:spcAft>
+              <a:buClr>
+                <a:schemeClr val="accent2"/>
+              </a:buClr>
+              <a:buSzPct val="92000"/>
+              <a:buFont typeface="Wingdings 2" panose="05020102010507070707" pitchFamily="18" charset="2"/>
+              <a:buChar char=""/>
+              <a:defRPr sz="1200" kern="1200">
+                <a:solidFill>
+                  <a:schemeClr val="tx2"/>
+                </a:solidFill>
+                <a:latin typeface="+mn-lt"/>
+                <a:ea typeface="+mn-ea"/>
+                <a:cs typeface="+mn-cs"/>
+              </a:defRPr>
+            </a:lvl7pPr>
+            <a:lvl8pPr marL="2500000" indent="-228600" algn="l" defTabSz="457200" rtl="0" eaLnBrk="1" latinLnBrk="0" hangingPunct="1">
+              <a:spcBef>
+                <a:spcPct val="20000"/>
+              </a:spcBef>
+              <a:spcAft>
+                <a:spcPts val="600"/>
+              </a:spcAft>
+              <a:buClr>
+                <a:schemeClr val="accent2"/>
+              </a:buClr>
+              <a:buSzPct val="92000"/>
+              <a:buFont typeface="Wingdings 2" panose="05020102010507070707" pitchFamily="18" charset="2"/>
+              <a:buChar char=""/>
+              <a:defRPr sz="1200" kern="1200">
+                <a:solidFill>
+                  <a:schemeClr val="tx2"/>
+                </a:solidFill>
+                <a:latin typeface="+mn-lt"/>
+                <a:ea typeface="+mn-ea"/>
+                <a:cs typeface="+mn-cs"/>
+              </a:defRPr>
+            </a:lvl8pPr>
+            <a:lvl9pPr marL="2800000" indent="-228600" algn="l" defTabSz="457200" rtl="0" eaLnBrk="1" latinLnBrk="0" hangingPunct="1">
+              <a:spcBef>
+                <a:spcPct val="20000"/>
+              </a:spcBef>
+              <a:spcAft>
+                <a:spcPts val="600"/>
+              </a:spcAft>
+              <a:buClr>
+                <a:schemeClr val="accent2"/>
+              </a:buClr>
+              <a:buSzPct val="92000"/>
+              <a:buFont typeface="Wingdings 2" panose="05020102010507070707" pitchFamily="18" charset="2"/>
+              <a:buChar char=""/>
+              <a:defRPr sz="1200" kern="1200">
+                <a:solidFill>
+                  <a:schemeClr val="tx2"/>
+                </a:solidFill>
+                <a:latin typeface="+mn-lt"/>
+                <a:ea typeface="+mn-ea"/>
+                <a:cs typeface="+mn-cs"/>
+              </a:defRPr>
+            </a:lvl9pPr>
+          </a:lstStyle>
+          <a:p>
+            <a:r>
+              <a:rPr lang="en-US" altLang="zh-CN" dirty="0"/>
+              <a:t>Initial Tree</a:t>
+            </a:r>
+            <a:endParaRPr lang="zh-CN" altLang="en-US" dirty="0"/>
+          </a:p>
+        </p:txBody>
+      </p:sp>
+      <p:pic>
+        <p:nvPicPr>
+          <p:cNvPr id="10" name="Picture 9">
+            <a:extLst>
+              <a:ext uri="{FF2B5EF4-FFF2-40B4-BE49-F238E27FC236}">
+                <a16:creationId xmlns:a16="http://schemas.microsoft.com/office/drawing/2014/main" id="{6369F0E5-989F-CD17-2077-4A71E0FF8560}"/>
+              </a:ext>
+            </a:extLst>
+          </p:cNvPr>
+          <p:cNvPicPr>
+            <a:picLocks noChangeAspect="1"/>
+          </p:cNvPicPr>
+          <p:nvPr/>
+        </p:nvPicPr>
+        <p:blipFill>
+          <a:blip r:embed="rId3"/>
+          <a:stretch>
+            <a:fillRect/>
+          </a:stretch>
+        </p:blipFill>
+        <p:spPr>
+          <a:xfrm>
+            <a:off x="3342894" y="4604194"/>
+            <a:ext cx="7858887" cy="1819275"/>
+          </a:xfrm>
+          <a:prstGeom prst="rect">
+            <a:avLst/>
+          </a:prstGeom>
+        </p:spPr>
+      </p:pic>
+    </p:spTree>
+    <p:extLst>
+      <p:ext uri="{BB962C8B-B14F-4D97-AF65-F5344CB8AC3E}">
+        <p14:creationId xmlns:p14="http://schemas.microsoft.com/office/powerpoint/2010/main" val="2782220086"/>
+      </p:ext>
+    </p:extLst>
+  </p:cSld>
+  <p:clrMapOvr>
+    <a:masterClrMapping/>
+  </p:clrMapOvr>
+</p:sld>
+</file>
+
+<file path=ppt/slides/slide11.xml><?xml version="1.0" encoding="utf-8"?>
+<p:sld xmlns:a="http://schemas.openxmlformats.org/drawingml/2006/main" xmlns:r="http://schemas.openxmlformats.org/officeDocument/2006/relationships" xmlns:p="http://schemas.openxmlformats.org/presentationml/2006/main">
+  <p:cSld>
+    <p:spTree>
+      <p:nvGrpSpPr>
+        <p:cNvPr id="1" name="">
+          <a:extLst>
+            <a:ext uri="{FF2B5EF4-FFF2-40B4-BE49-F238E27FC236}">
+              <a16:creationId xmlns:a16="http://schemas.microsoft.com/office/drawing/2014/main" id="{DFD51217-297E-84F9-DCFD-11FE63AD8D97}"/>
+            </a:ext>
+          </a:extLst>
+        </p:cNvPr>
+        <p:cNvGrpSpPr/>
+        <p:nvPr/>
+      </p:nvGrpSpPr>
+      <p:grpSpPr>
+        <a:xfrm>
+          <a:off x="0" y="0"/>
+          <a:ext cx="0" cy="0"/>
+          <a:chOff x="0" y="0"/>
+          <a:chExt cx="0" cy="0"/>
+        </a:xfrm>
+      </p:grpSpPr>
+      <p:pic>
+        <p:nvPicPr>
+          <p:cNvPr id="4" name="Picture 3">
+            <a:extLst>
+              <a:ext uri="{FF2B5EF4-FFF2-40B4-BE49-F238E27FC236}">
+                <a16:creationId xmlns:a16="http://schemas.microsoft.com/office/drawing/2014/main" id="{744CCF58-D186-3AF6-A8EA-7A38B653CBC9}"/>
+              </a:ext>
+            </a:extLst>
+          </p:cNvPr>
+          <p:cNvPicPr>
+            <a:picLocks noChangeAspect="1"/>
+          </p:cNvPicPr>
+          <p:nvPr/>
+        </p:nvPicPr>
+        <p:blipFill>
+          <a:blip r:embed="rId2"/>
+          <a:stretch>
+            <a:fillRect/>
+          </a:stretch>
+        </p:blipFill>
+        <p:spPr>
+          <a:xfrm>
+            <a:off x="6738025" y="1019196"/>
+            <a:ext cx="5142755" cy="4729176"/>
+          </a:xfrm>
+          <a:prstGeom prst="rect">
+            <a:avLst/>
+          </a:prstGeom>
+        </p:spPr>
+      </p:pic>
+      <p:sp>
+        <p:nvSpPr>
+          <p:cNvPr id="2" name="Title 1">
+            <a:extLst>
+              <a:ext uri="{FF2B5EF4-FFF2-40B4-BE49-F238E27FC236}">
+                <a16:creationId xmlns:a16="http://schemas.microsoft.com/office/drawing/2014/main" id="{D3496CFF-6F63-215C-2CB4-020B97ED6978}"/>
+              </a:ext>
+            </a:extLst>
+          </p:cNvPr>
+          <p:cNvSpPr>
+            <a:spLocks noGrp="1"/>
+          </p:cNvSpPr>
+          <p:nvPr>
+            <p:ph type="title"/>
+          </p:nvPr>
+        </p:nvSpPr>
+        <p:spPr>
+          <a:xfrm>
+            <a:off x="393124" y="590545"/>
+            <a:ext cx="11029616" cy="565535"/>
+          </a:xfrm>
+        </p:spPr>
+        <p:txBody>
+          <a:bodyPr>
+            <a:normAutofit/>
+          </a:bodyPr>
+          <a:lstStyle/>
+          <a:p>
+            <a:r>
+              <a:rPr lang="en-US" dirty="0"/>
+              <a:t>Advantages and Disadvantages of Trees</a:t>
+            </a:r>
+          </a:p>
+        </p:txBody>
+      </p:sp>
+      <p:sp>
+        <p:nvSpPr>
+          <p:cNvPr id="11" name="TextBox 10">
+            <a:extLst>
+              <a:ext uri="{FF2B5EF4-FFF2-40B4-BE49-F238E27FC236}">
+                <a16:creationId xmlns:a16="http://schemas.microsoft.com/office/drawing/2014/main" id="{0F6C4AB8-9539-88A6-A02D-328441CB13AA}"/>
+              </a:ext>
+            </a:extLst>
+          </p:cNvPr>
+          <p:cNvSpPr txBox="1"/>
+          <p:nvPr/>
+        </p:nvSpPr>
+        <p:spPr>
+          <a:xfrm>
+            <a:off x="162062" y="1462507"/>
+            <a:ext cx="5817206" cy="4422749"/>
+          </a:xfrm>
+          <a:prstGeom prst="rect">
+            <a:avLst/>
+          </a:prstGeom>
+          <a:noFill/>
+        </p:spPr>
+        <p:txBody>
+          <a:bodyPr wrap="square">
+            <a:spAutoFit/>
+          </a:bodyPr>
+          <a:lstStyle/>
+          <a:p>
+            <a:pPr marL="306000" indent="-306000">
+              <a:spcBef>
+                <a:spcPct val="20000"/>
+              </a:spcBef>
+              <a:spcAft>
+                <a:spcPts val="600"/>
+              </a:spcAft>
+              <a:buClr>
+                <a:schemeClr val="accent1"/>
+              </a:buClr>
+              <a:buSzPct val="92000"/>
+              <a:buFont typeface="Wingdings 2" panose="05020102010507070707" pitchFamily="18" charset="2"/>
+              <a:buChar char=""/>
+            </a:pPr>
+            <a:r>
+              <a:rPr lang="en-US" sz="1600" dirty="0">
+                <a:solidFill>
+                  <a:schemeClr val="tx1">
+                    <a:lumMod val="75000"/>
+                    <a:lumOff val="25000"/>
+                  </a:schemeClr>
+                </a:solidFill>
+              </a:rPr>
+              <a:t>Advantages</a:t>
+            </a:r>
+          </a:p>
+          <a:p>
+            <a:pPr marL="763200" lvl="1" indent="-306000">
+              <a:spcBef>
+                <a:spcPct val="20000"/>
+              </a:spcBef>
+              <a:spcAft>
+                <a:spcPts val="600"/>
+              </a:spcAft>
+              <a:buClr>
+                <a:schemeClr val="accent1"/>
+              </a:buClr>
+              <a:buSzPct val="92000"/>
+              <a:buFont typeface="Wingdings 2" panose="05020102010507070707" pitchFamily="18" charset="2"/>
+              <a:buChar char=""/>
+            </a:pPr>
+            <a:r>
+              <a:rPr lang="en-US" sz="1600" dirty="0">
+                <a:solidFill>
+                  <a:schemeClr val="tx1">
+                    <a:lumMod val="75000"/>
+                    <a:lumOff val="25000"/>
+                  </a:schemeClr>
+                </a:solidFill>
+              </a:rPr>
+              <a:t>Trees are very easy to explain to people.</a:t>
+            </a:r>
+          </a:p>
+          <a:p>
+            <a:pPr marL="763200" lvl="1" indent="-306000">
+              <a:spcBef>
+                <a:spcPct val="20000"/>
+              </a:spcBef>
+              <a:spcAft>
+                <a:spcPts val="600"/>
+              </a:spcAft>
+              <a:buClr>
+                <a:schemeClr val="accent1"/>
+              </a:buClr>
+              <a:buSzPct val="92000"/>
+              <a:buFont typeface="Wingdings 2" panose="05020102010507070707" pitchFamily="18" charset="2"/>
+              <a:buChar char=""/>
+            </a:pPr>
+            <a:r>
+              <a:rPr lang="en-US" altLang="zh-CN" sz="1600" dirty="0">
+                <a:solidFill>
+                  <a:schemeClr val="tx1">
+                    <a:lumMod val="75000"/>
+                    <a:lumOff val="25000"/>
+                  </a:schemeClr>
+                </a:solidFill>
+                <a:sym typeface="Rambla"/>
+              </a:rPr>
+              <a:t>Trees can be displayed graphically.</a:t>
+            </a:r>
+          </a:p>
+          <a:p>
+            <a:pPr marL="763200" lvl="1" indent="-306000">
+              <a:spcBef>
+                <a:spcPct val="20000"/>
+              </a:spcBef>
+              <a:spcAft>
+                <a:spcPts val="600"/>
+              </a:spcAft>
+              <a:buClr>
+                <a:schemeClr val="accent1"/>
+              </a:buClr>
+              <a:buSzPct val="92000"/>
+              <a:buFont typeface="Wingdings 2" panose="05020102010507070707" pitchFamily="18" charset="2"/>
+              <a:buChar char=""/>
+            </a:pPr>
+            <a:r>
+              <a:rPr lang="en-US" altLang="zh-CN" sz="1600" dirty="0">
+                <a:solidFill>
+                  <a:schemeClr val="tx1">
+                    <a:lumMod val="75000"/>
+                    <a:lumOff val="25000"/>
+                  </a:schemeClr>
+                </a:solidFill>
+                <a:sym typeface="Rambla"/>
+              </a:rPr>
+              <a:t>Trees can easily handle qualitative predictors without the need to create dummy variables.</a:t>
+            </a:r>
+          </a:p>
+          <a:p>
+            <a:pPr marL="763200" lvl="1" indent="-306000">
+              <a:spcBef>
+                <a:spcPct val="20000"/>
+              </a:spcBef>
+              <a:spcAft>
+                <a:spcPts val="600"/>
+              </a:spcAft>
+              <a:buClr>
+                <a:schemeClr val="accent1"/>
+              </a:buClr>
+              <a:buSzPct val="92000"/>
+              <a:buFont typeface="Wingdings 2" panose="05020102010507070707" pitchFamily="18" charset="2"/>
+              <a:buChar char=""/>
+            </a:pPr>
+            <a:r>
+              <a:rPr lang="en-US" altLang="zh-CN" sz="1600" dirty="0">
+                <a:solidFill>
+                  <a:schemeClr val="tx1">
+                    <a:lumMod val="75000"/>
+                    <a:lumOff val="25000"/>
+                  </a:schemeClr>
+                </a:solidFill>
+                <a:sym typeface="Rambla"/>
+              </a:rPr>
+              <a:t>Trees will not consider irrelevant features; no feature selection is needed.</a:t>
+            </a:r>
+          </a:p>
+          <a:p>
+            <a:pPr marL="306000" indent="-306000">
+              <a:spcBef>
+                <a:spcPct val="20000"/>
+              </a:spcBef>
+              <a:spcAft>
+                <a:spcPts val="600"/>
+              </a:spcAft>
+              <a:buClr>
+                <a:schemeClr val="accent1"/>
+              </a:buClr>
+              <a:buSzPct val="92000"/>
+              <a:buFont typeface="Wingdings 2" panose="05020102010507070707" pitchFamily="18" charset="2"/>
+              <a:buChar char=""/>
+            </a:pPr>
+            <a:r>
+              <a:rPr lang="en-US" altLang="zh-CN" sz="1600" dirty="0">
+                <a:solidFill>
+                  <a:schemeClr val="tx1">
+                    <a:lumMod val="75000"/>
+                    <a:lumOff val="25000"/>
+                  </a:schemeClr>
+                </a:solidFill>
+                <a:sym typeface="Rambla"/>
+              </a:rPr>
+              <a:t>Disadvantages</a:t>
+            </a:r>
+          </a:p>
+          <a:p>
+            <a:pPr marL="763200" lvl="1" indent="-306000">
+              <a:spcBef>
+                <a:spcPct val="20000"/>
+              </a:spcBef>
+              <a:spcAft>
+                <a:spcPts val="600"/>
+              </a:spcAft>
+              <a:buClr>
+                <a:schemeClr val="accent1"/>
+              </a:buClr>
+              <a:buSzPct val="92000"/>
+              <a:buFont typeface="Wingdings 2" panose="05020102010507070707" pitchFamily="18" charset="2"/>
+              <a:buChar char=""/>
+            </a:pPr>
+            <a:r>
+              <a:rPr lang="en-US" altLang="zh-CN" sz="1600" dirty="0">
+                <a:solidFill>
+                  <a:schemeClr val="tx1">
+                    <a:lumMod val="75000"/>
+                    <a:lumOff val="25000"/>
+                  </a:schemeClr>
+                </a:solidFill>
+                <a:sym typeface="Rambla"/>
+              </a:rPr>
+              <a:t>Standard pruned trees usually do not achieve the same predictive accuracy than other regression or classification methods</a:t>
+            </a:r>
+          </a:p>
+          <a:p>
+            <a:pPr marL="763200" lvl="1" indent="-306000">
+              <a:spcBef>
+                <a:spcPct val="20000"/>
+              </a:spcBef>
+              <a:spcAft>
+                <a:spcPts val="600"/>
+              </a:spcAft>
+              <a:buClr>
+                <a:schemeClr val="accent1"/>
+              </a:buClr>
+              <a:buSzPct val="92000"/>
+              <a:buFont typeface="Wingdings 2" panose="05020102010507070707" pitchFamily="18" charset="2"/>
+              <a:buChar char=""/>
+            </a:pPr>
+            <a:r>
+              <a:rPr lang="en-US" altLang="zh-CN" sz="1600" dirty="0">
+                <a:solidFill>
+                  <a:schemeClr val="tx1">
+                    <a:lumMod val="75000"/>
+                    <a:lumOff val="25000"/>
+                  </a:schemeClr>
+                </a:solidFill>
+                <a:sym typeface="Rambla"/>
+              </a:rPr>
+              <a:t>Trees can be very volatile from sample to sample, i.e., they exhibit a high variance. This leads to refined tree-building strategies aimed at reducing the variance.</a:t>
+            </a:r>
+          </a:p>
+        </p:txBody>
+      </p:sp>
+      <p:sp>
+        <p:nvSpPr>
+          <p:cNvPr id="5" name="TextBox 4">
+            <a:extLst>
+              <a:ext uri="{FF2B5EF4-FFF2-40B4-BE49-F238E27FC236}">
+                <a16:creationId xmlns:a16="http://schemas.microsoft.com/office/drawing/2014/main" id="{E8933FE8-AE58-4074-5932-82F007447DAE}"/>
+              </a:ext>
+            </a:extLst>
+          </p:cNvPr>
+          <p:cNvSpPr txBox="1"/>
+          <p:nvPr/>
+        </p:nvSpPr>
+        <p:spPr>
+          <a:xfrm>
+            <a:off x="5979268" y="5748372"/>
+            <a:ext cx="6150349" cy="584775"/>
+          </a:xfrm>
+          <a:prstGeom prst="rect">
+            <a:avLst/>
+          </a:prstGeom>
+          <a:noFill/>
+        </p:spPr>
+        <p:txBody>
+          <a:bodyPr wrap="square" rtlCol="0">
+            <a:spAutoFit/>
+          </a:bodyPr>
+          <a:lstStyle/>
+          <a:p>
+            <a:pPr algn="ctr"/>
+            <a:r>
+              <a:rPr lang="en-US" sz="1600" b="1" dirty="0">
+                <a:solidFill>
+                  <a:schemeClr val="tx1">
+                    <a:lumMod val="75000"/>
+                    <a:lumOff val="25000"/>
+                  </a:schemeClr>
+                </a:solidFill>
+              </a:rPr>
+              <a:t>Top Row</a:t>
+            </a:r>
+            <a:r>
+              <a:rPr lang="en-US" sz="1600" dirty="0">
+                <a:solidFill>
+                  <a:schemeClr val="tx1">
+                    <a:lumMod val="75000"/>
+                    <a:lumOff val="25000"/>
+                  </a:schemeClr>
+                </a:solidFill>
+              </a:rPr>
+              <a:t>: True linear boundary; </a:t>
+            </a:r>
+            <a:r>
+              <a:rPr lang="en-US" sz="1600" b="1" dirty="0">
+                <a:solidFill>
+                  <a:schemeClr val="tx1">
+                    <a:lumMod val="75000"/>
+                    <a:lumOff val="25000"/>
+                  </a:schemeClr>
+                </a:solidFill>
+              </a:rPr>
+              <a:t>Bottom row</a:t>
+            </a:r>
+            <a:r>
+              <a:rPr lang="en-US" sz="1600" dirty="0">
+                <a:solidFill>
+                  <a:schemeClr val="tx1">
+                    <a:lumMod val="75000"/>
+                    <a:lumOff val="25000"/>
+                  </a:schemeClr>
+                </a:solidFill>
+              </a:rPr>
+              <a:t>: true non-linear boundary.</a:t>
+            </a:r>
+          </a:p>
+          <a:p>
+            <a:pPr algn="ctr"/>
+            <a:r>
+              <a:rPr lang="en-US" sz="1600" b="1" dirty="0">
+                <a:solidFill>
+                  <a:schemeClr val="tx1">
+                    <a:lumMod val="75000"/>
+                    <a:lumOff val="25000"/>
+                  </a:schemeClr>
+                </a:solidFill>
+              </a:rPr>
+              <a:t>Left column</a:t>
+            </a:r>
+            <a:r>
+              <a:rPr lang="en-US" sz="1600" dirty="0">
+                <a:solidFill>
+                  <a:schemeClr val="tx1">
+                    <a:lumMod val="75000"/>
+                    <a:lumOff val="25000"/>
+                  </a:schemeClr>
+                </a:solidFill>
+              </a:rPr>
+              <a:t>: linear model; </a:t>
+            </a:r>
+            <a:r>
+              <a:rPr lang="en-US" sz="1600" b="1" dirty="0">
+                <a:solidFill>
+                  <a:schemeClr val="tx1">
+                    <a:lumMod val="75000"/>
+                    <a:lumOff val="25000"/>
+                  </a:schemeClr>
+                </a:solidFill>
+              </a:rPr>
+              <a:t>Right column</a:t>
+            </a:r>
+            <a:r>
+              <a:rPr lang="en-US" sz="1600" dirty="0">
+                <a:solidFill>
+                  <a:schemeClr val="tx1">
+                    <a:lumMod val="75000"/>
+                    <a:lumOff val="25000"/>
+                  </a:schemeClr>
+                </a:solidFill>
+              </a:rPr>
+              <a:t>: tree-based model</a:t>
+            </a:r>
+          </a:p>
+        </p:txBody>
+      </p:sp>
+    </p:spTree>
+    <p:extLst>
+      <p:ext uri="{BB962C8B-B14F-4D97-AF65-F5344CB8AC3E}">
+        <p14:creationId xmlns:p14="http://schemas.microsoft.com/office/powerpoint/2010/main" val="3035811978"/>
+      </p:ext>
+    </p:extLst>
+  </p:cSld>
+  <p:clrMapOvr>
+    <a:masterClrMapping/>
+  </p:clrMapOvr>
+</p:sld>
+</file>
+
+<file path=ppt/slides/slide12.xml><?xml version="1.0" encoding="utf-8"?>
+<p:sld xmlns:a="http://schemas.openxmlformats.org/drawingml/2006/main" xmlns:r="http://schemas.openxmlformats.org/officeDocument/2006/relationships" xmlns:p="http://schemas.openxmlformats.org/presentationml/2006/main">
+  <p:cSld>
+    <p:spTree>
+      <p:nvGrpSpPr>
         <p:cNvPr id="1" name="">
           <a:extLst>
             <a:ext uri="{FF2B5EF4-FFF2-40B4-BE49-F238E27FC236}">
@@ -10765,6 +11666,137 @@
           <a:chExt cx="0" cy="0"/>
         </a:xfrm>
       </p:grpSpPr>
+      <p:pic>
+        <p:nvPicPr>
+          <p:cNvPr id="5" name="Content Placeholder 4">
+            <a:extLst>
+              <a:ext uri="{FF2B5EF4-FFF2-40B4-BE49-F238E27FC236}">
+                <a16:creationId xmlns:a16="http://schemas.microsoft.com/office/drawing/2014/main" id="{D1E13C3D-1FC7-6897-4CDC-5592289A52D5}"/>
+              </a:ext>
+            </a:extLst>
+          </p:cNvPr>
+          <p:cNvPicPr>
+            <a:picLocks noGrp="1" noChangeAspect="1"/>
+          </p:cNvPicPr>
+          <p:nvPr>
+            <p:ph idx="1"/>
+          </p:nvPr>
+        </p:nvPicPr>
+        <p:blipFill>
+          <a:blip r:embed="rId2"/>
+          <a:stretch>
+            <a:fillRect/>
+          </a:stretch>
+        </p:blipFill>
+        <p:spPr>
+          <a:xfrm>
+            <a:off x="4636173" y="702156"/>
+            <a:ext cx="7358683" cy="6069663"/>
+          </a:xfrm>
+        </p:spPr>
+      </p:pic>
+      <p:sp>
+        <p:nvSpPr>
+          <p:cNvPr id="2" name="Title 1">
+            <a:extLst>
+              <a:ext uri="{FF2B5EF4-FFF2-40B4-BE49-F238E27FC236}">
+                <a16:creationId xmlns:a16="http://schemas.microsoft.com/office/drawing/2014/main" id="{3A0F5CBE-D6AB-5474-E8A9-D2EB8C0EDC0A}"/>
+              </a:ext>
+            </a:extLst>
+          </p:cNvPr>
+          <p:cNvSpPr>
+            <a:spLocks noGrp="1"/>
+          </p:cNvSpPr>
+          <p:nvPr>
+            <p:ph type="title"/>
+          </p:nvPr>
+        </p:nvSpPr>
+        <p:spPr>
+          <a:xfrm>
+            <a:off x="581192" y="702156"/>
+            <a:ext cx="11029616" cy="597255"/>
+          </a:xfrm>
+        </p:spPr>
+        <p:txBody>
+          <a:bodyPr/>
+          <a:lstStyle/>
+          <a:p>
+            <a:r>
+              <a:rPr lang="en-US" altLang="zh-CN" dirty="0"/>
+              <a:t>STRUCTURE of </a:t>
+            </a:r>
+            <a:r>
+              <a:rPr lang="en-US" altLang="zh-CN" dirty="0" err="1"/>
+              <a:t>decis</a:t>
+            </a:r>
+            <a:r>
+              <a:rPr lang="en-US" altLang="zh-CN" dirty="0"/>
+              <a:t> tree</a:t>
+            </a:r>
+            <a:endParaRPr lang="zh-CN" altLang="en-US" dirty="0"/>
+          </a:p>
+        </p:txBody>
+      </p:sp>
+      <p:pic>
+        <p:nvPicPr>
+          <p:cNvPr id="7" name="Picture 6">
+            <a:extLst>
+              <a:ext uri="{FF2B5EF4-FFF2-40B4-BE49-F238E27FC236}">
+                <a16:creationId xmlns:a16="http://schemas.microsoft.com/office/drawing/2014/main" id="{52C0B6B9-FC95-2995-BC2B-0F013345DD45}"/>
+              </a:ext>
+            </a:extLst>
+          </p:cNvPr>
+          <p:cNvPicPr>
+            <a:picLocks noChangeAspect="1"/>
+          </p:cNvPicPr>
+          <p:nvPr/>
+        </p:nvPicPr>
+        <p:blipFill>
+          <a:blip r:embed="rId3"/>
+          <a:stretch>
+            <a:fillRect/>
+          </a:stretch>
+        </p:blipFill>
+        <p:spPr>
+          <a:xfrm>
+            <a:off x="110871" y="4379976"/>
+            <a:ext cx="4866654" cy="2310955"/>
+          </a:xfrm>
+          <a:prstGeom prst="rect">
+            <a:avLst/>
+          </a:prstGeom>
+        </p:spPr>
+      </p:pic>
+    </p:spTree>
+    <p:extLst>
+      <p:ext uri="{BB962C8B-B14F-4D97-AF65-F5344CB8AC3E}">
+        <p14:creationId xmlns:p14="http://schemas.microsoft.com/office/powerpoint/2010/main" val="1916388890"/>
+      </p:ext>
+    </p:extLst>
+  </p:cSld>
+  <p:clrMapOvr>
+    <a:masterClrMapping/>
+  </p:clrMapOvr>
+</p:sld>
+</file>
+
+<file path=ppt/slides/slide8.xml><?xml version="1.0" encoding="utf-8"?>
+<p:sld xmlns:a="http://schemas.openxmlformats.org/drawingml/2006/main" xmlns:r="http://schemas.openxmlformats.org/officeDocument/2006/relationships" xmlns:p="http://schemas.openxmlformats.org/presentationml/2006/main">
+  <p:cSld>
+    <p:spTree>
+      <p:nvGrpSpPr>
+        <p:cNvPr id="1" name=""/>
+        <p:cNvGrpSpPr/>
+        <p:nvPr/>
+      </p:nvGrpSpPr>
+      <p:grpSpPr>
+        <a:xfrm>
+          <a:off x="0" y="0"/>
+          <a:ext cx="0" cy="0"/>
+          <a:chOff x="0" y="0"/>
+          <a:chExt cx="0" cy="0"/>
+        </a:xfrm>
+      </p:grpSpPr>
       <p:sp>
         <p:nvSpPr>
           <p:cNvPr id="2" name="Title 1">
@@ -10836,10 +11868,10 @@
       </p:sp>
       <p:pic>
         <p:nvPicPr>
-          <p:cNvPr id="7" name="Picture 6">
+          <p:cNvPr id="4" name="Picture 3">
             <a:extLst>
               <a:ext uri="{FF2B5EF4-FFF2-40B4-BE49-F238E27FC236}">
-                <a16:creationId xmlns:a16="http://schemas.microsoft.com/office/drawing/2014/main" id="{81DA2EEE-DE36-5A83-B55B-6521B4C06C53}"/>
+                <a16:creationId xmlns:a16="http://schemas.microsoft.com/office/drawing/2014/main" id="{624A5961-9FDC-352D-66CD-C05E0E59B92C}"/>
               </a:ext>
             </a:extLst>
           </p:cNvPr>
@@ -10856,8 +11888,8 @@
         </p:blipFill>
         <p:spPr>
           <a:xfrm>
-            <a:off x="7402428" y="2875871"/>
-            <a:ext cx="4444131" cy="3260065"/>
+            <a:off x="0" y="2197536"/>
+            <a:ext cx="6788003" cy="3759509"/>
           </a:xfrm>
           <a:prstGeom prst="rect">
             <a:avLst/>
@@ -10866,10 +11898,10 @@
       </p:pic>
       <p:pic>
         <p:nvPicPr>
-          <p:cNvPr id="9" name="Picture 8">
+          <p:cNvPr id="6" name="Picture 5">
             <a:extLst>
               <a:ext uri="{FF2B5EF4-FFF2-40B4-BE49-F238E27FC236}">
-                <a16:creationId xmlns:a16="http://schemas.microsoft.com/office/drawing/2014/main" id="{18E7EA2E-C2F0-75BF-89E4-DCC26D4CF414}"/>
+                <a16:creationId xmlns:a16="http://schemas.microsoft.com/office/drawing/2014/main" id="{ED4C2653-7A35-C3AE-E6B7-7E6D61D1C801}"/>
               </a:ext>
             </a:extLst>
           </p:cNvPr>
@@ -10886,8 +11918,8 @@
         </p:blipFill>
         <p:spPr>
           <a:xfrm>
-            <a:off x="467360" y="2260119"/>
-            <a:ext cx="6829425" cy="3895725"/>
+            <a:off x="6809338" y="1929384"/>
+            <a:ext cx="5255974" cy="4626864"/>
           </a:xfrm>
           <a:prstGeom prst="rect">
             <a:avLst/>
@@ -10907,18 +11939,12 @@
 </p:sld>
 </file>
 
-<file path=ppt/slides/slide8.xml><?xml version="1.0" encoding="utf-8"?>
+<file path=ppt/slides/slide9.xml><?xml version="1.0" encoding="utf-8"?>
 <p:sld xmlns:a="http://schemas.openxmlformats.org/drawingml/2006/main" xmlns:r="http://schemas.openxmlformats.org/officeDocument/2006/relationships" xmlns:p="http://schemas.openxmlformats.org/presentationml/2006/main">
   <p:cSld>
     <p:spTree>
       <p:nvGrpSpPr>
-        <p:cNvPr id="1" name="">
-          <a:extLst>
-            <a:ext uri="{FF2B5EF4-FFF2-40B4-BE49-F238E27FC236}">
-              <a16:creationId xmlns:a16="http://schemas.microsoft.com/office/drawing/2014/main" id="{62D6FC06-22A2-BC4F-4039-CCCCA7241324}"/>
-            </a:ext>
-          </a:extLst>
-        </p:cNvPr>
+        <p:cNvPr id="1" name=""/>
         <p:cNvGrpSpPr/>
         <p:nvPr/>
       </p:nvGrpSpPr>
@@ -10930,12 +11956,46 @@
           <a:chExt cx="0" cy="0"/>
         </a:xfrm>
       </p:grpSpPr>
+      <p:sp>
+        <p:nvSpPr>
+          <p:cNvPr id="2" name="Title 1">
+            <a:extLst>
+              <a:ext uri="{FF2B5EF4-FFF2-40B4-BE49-F238E27FC236}">
+                <a16:creationId xmlns:a16="http://schemas.microsoft.com/office/drawing/2014/main" id="{39E5ED7B-9DC9-8C99-5B7F-4A3B5C8398F1}"/>
+              </a:ext>
+            </a:extLst>
+          </p:cNvPr>
+          <p:cNvSpPr>
+            <a:spLocks noGrp="1"/>
+          </p:cNvSpPr>
+          <p:nvPr>
+            <p:ph type="title"/>
+          </p:nvPr>
+        </p:nvSpPr>
+        <p:spPr>
+          <a:xfrm>
+            <a:off x="581192" y="702156"/>
+            <a:ext cx="11029616" cy="587148"/>
+          </a:xfrm>
+        </p:spPr>
+        <p:txBody>
+          <a:bodyPr/>
+          <a:lstStyle/>
+          <a:p>
+            <a:r>
+              <a:rPr lang="en-US" altLang="zh-CN" dirty="0"/>
+              <a:t>Prune tree</a:t>
+            </a:r>
+            <a:endParaRPr lang="zh-CN" altLang="en-US" dirty="0"/>
+          </a:p>
+        </p:txBody>
+      </p:sp>
       <p:pic>
         <p:nvPicPr>
-          <p:cNvPr id="7" name="Picture 6">
+          <p:cNvPr id="5" name="Picture 4">
             <a:extLst>
               <a:ext uri="{FF2B5EF4-FFF2-40B4-BE49-F238E27FC236}">
-                <a16:creationId xmlns:a16="http://schemas.microsoft.com/office/drawing/2014/main" id="{3EED80A0-F427-9CFA-30EE-DC6D7D069158}"/>
+                <a16:creationId xmlns:a16="http://schemas.microsoft.com/office/drawing/2014/main" id="{2497567D-F76C-0A0F-C1C5-37E8AD15F821}"/>
               </a:ext>
             </a:extLst>
           </p:cNvPr>
@@ -10952,861 +12012,18 @@
         </p:blipFill>
         <p:spPr>
           <a:xfrm>
-            <a:off x="5049978" y="653164"/>
-            <a:ext cx="6928080" cy="3550261"/>
+            <a:off x="5198609" y="1063628"/>
+            <a:ext cx="6011935" cy="5483476"/>
           </a:xfrm>
           <a:prstGeom prst="rect">
             <a:avLst/>
           </a:prstGeom>
         </p:spPr>
       </p:pic>
-      <p:sp>
-        <p:nvSpPr>
-          <p:cNvPr id="2" name="Title 1">
-            <a:extLst>
-              <a:ext uri="{FF2B5EF4-FFF2-40B4-BE49-F238E27FC236}">
-                <a16:creationId xmlns:a16="http://schemas.microsoft.com/office/drawing/2014/main" id="{D5D4131B-1CBC-8B3A-05CC-33D2AF97755A}"/>
-              </a:ext>
-            </a:extLst>
-          </p:cNvPr>
-          <p:cNvSpPr>
-            <a:spLocks noGrp="1"/>
-          </p:cNvSpPr>
-          <p:nvPr>
-            <p:ph type="title"/>
-          </p:nvPr>
-        </p:nvSpPr>
-        <p:spPr>
-          <a:xfrm>
-            <a:off x="393124" y="590545"/>
-            <a:ext cx="11029616" cy="565535"/>
-          </a:xfrm>
-        </p:spPr>
-        <p:txBody>
-          <a:bodyPr/>
-          <a:lstStyle/>
-          <a:p>
-            <a:r>
-              <a:rPr lang="en-US" dirty="0"/>
-              <a:t>Example: heart data</a:t>
-            </a:r>
-          </a:p>
-        </p:txBody>
-      </p:sp>
-      <p:sp>
-        <p:nvSpPr>
-          <p:cNvPr id="11" name="TextBox 10">
-            <a:extLst>
-              <a:ext uri="{FF2B5EF4-FFF2-40B4-BE49-F238E27FC236}">
-                <a16:creationId xmlns:a16="http://schemas.microsoft.com/office/drawing/2014/main" id="{D72BFC2F-45CF-5885-B9C5-5955319C7106}"/>
-              </a:ext>
-            </a:extLst>
-          </p:cNvPr>
-          <p:cNvSpPr txBox="1"/>
-          <p:nvPr/>
-        </p:nvSpPr>
-        <p:spPr>
-          <a:xfrm>
-            <a:off x="213942" y="1207961"/>
-            <a:ext cx="5797751" cy="2440668"/>
-          </a:xfrm>
-          <a:prstGeom prst="rect">
-            <a:avLst/>
-          </a:prstGeom>
-          <a:noFill/>
-        </p:spPr>
-        <p:txBody>
-          <a:bodyPr wrap="square">
-            <a:spAutoFit/>
-          </a:bodyPr>
-          <a:lstStyle/>
-          <a:p>
-            <a:pPr marL="306000" indent="-306000">
-              <a:spcBef>
-                <a:spcPct val="20000"/>
-              </a:spcBef>
-              <a:spcAft>
-                <a:spcPts val="600"/>
-              </a:spcAft>
-              <a:buClr>
-                <a:schemeClr val="accent1"/>
-              </a:buClr>
-              <a:buSzPct val="92000"/>
-              <a:buFont typeface="Wingdings 2" panose="05020102010507070707" pitchFamily="18" charset="2"/>
-              <a:buChar char=""/>
-            </a:pPr>
-            <a:r>
-              <a:rPr lang="en-US" sz="1600" dirty="0">
-                <a:solidFill>
-                  <a:schemeClr val="tx1">
-                    <a:lumMod val="75000"/>
-                    <a:lumOff val="25000"/>
-                  </a:schemeClr>
-                </a:solidFill>
-              </a:rPr>
-              <a:t>These data contain a binary outcome </a:t>
-            </a:r>
-            <a:r>
-              <a:rPr lang="en-US" sz="1600" dirty="0">
-                <a:solidFill>
-                  <a:srgbClr val="FF0000"/>
-                </a:solidFill>
-              </a:rPr>
-              <a:t>HD</a:t>
-            </a:r>
-            <a:r>
-              <a:rPr lang="en-US" sz="1600" dirty="0">
-                <a:solidFill>
-                  <a:schemeClr val="tx1">
-                    <a:lumMod val="75000"/>
-                    <a:lumOff val="25000"/>
-                  </a:schemeClr>
-                </a:solidFill>
-              </a:rPr>
-              <a:t> for 303 patients who presented with chest pain.</a:t>
-            </a:r>
-          </a:p>
-          <a:p>
-            <a:pPr marL="306000" indent="-306000">
-              <a:spcBef>
-                <a:spcPct val="20000"/>
-              </a:spcBef>
-              <a:spcAft>
-                <a:spcPts val="600"/>
-              </a:spcAft>
-              <a:buClr>
-                <a:schemeClr val="accent1"/>
-              </a:buClr>
-              <a:buSzPct val="92000"/>
-              <a:buFont typeface="Wingdings 2" panose="05020102010507070707" pitchFamily="18" charset="2"/>
-              <a:buChar char=""/>
-            </a:pPr>
-            <a:r>
-              <a:rPr lang="en-US" altLang="zh-CN" sz="1600" dirty="0">
-                <a:solidFill>
-                  <a:schemeClr val="tx1">
-                    <a:lumMod val="75000"/>
-                    <a:lumOff val="25000"/>
-                  </a:schemeClr>
-                </a:solidFill>
-                <a:sym typeface="Rambla"/>
-              </a:rPr>
-              <a:t>An outcome value of </a:t>
-            </a:r>
-            <a:r>
-              <a:rPr lang="en-US" altLang="zh-CN" sz="1600" dirty="0">
-                <a:solidFill>
-                  <a:srgbClr val="FF0000"/>
-                </a:solidFill>
-                <a:sym typeface="Rambla"/>
-              </a:rPr>
-              <a:t>Yes</a:t>
-            </a:r>
-            <a:r>
-              <a:rPr lang="en-US" altLang="zh-CN" sz="1600" dirty="0">
-                <a:solidFill>
-                  <a:schemeClr val="tx1">
-                    <a:lumMod val="75000"/>
-                    <a:lumOff val="25000"/>
-                  </a:schemeClr>
-                </a:solidFill>
-                <a:sym typeface="Rambla"/>
-              </a:rPr>
-              <a:t> indicates the presence of heart disease based on an angiographic test, while No means no heart disease.</a:t>
-            </a:r>
-          </a:p>
-          <a:p>
-            <a:pPr marL="306000" indent="-306000">
-              <a:spcBef>
-                <a:spcPct val="20000"/>
-              </a:spcBef>
-              <a:spcAft>
-                <a:spcPts val="600"/>
-              </a:spcAft>
-              <a:buClr>
-                <a:schemeClr val="accent1"/>
-              </a:buClr>
-              <a:buSzPct val="92000"/>
-              <a:buFont typeface="Wingdings 2" panose="05020102010507070707" pitchFamily="18" charset="2"/>
-              <a:buChar char=""/>
-            </a:pPr>
-            <a:r>
-              <a:rPr lang="en-US" altLang="zh-CN" sz="1600" dirty="0">
-                <a:solidFill>
-                  <a:schemeClr val="tx1">
-                    <a:lumMod val="75000"/>
-                    <a:lumOff val="25000"/>
-                  </a:schemeClr>
-                </a:solidFill>
-                <a:sym typeface="Rambla"/>
-              </a:rPr>
-              <a:t> There are 13 predictors including </a:t>
-            </a:r>
-            <a:r>
-              <a:rPr lang="en-US" altLang="zh-CN" sz="1600" dirty="0">
-                <a:solidFill>
-                  <a:srgbClr val="FF0000"/>
-                </a:solidFill>
-                <a:sym typeface="Rambla"/>
-              </a:rPr>
-              <a:t>Age, Sex, Chol </a:t>
-            </a:r>
-            <a:r>
-              <a:rPr lang="en-US" altLang="zh-CN" sz="1600" dirty="0">
-                <a:solidFill>
-                  <a:schemeClr val="tx1">
-                    <a:lumMod val="75000"/>
-                    <a:lumOff val="25000"/>
-                  </a:schemeClr>
-                </a:solidFill>
-                <a:sym typeface="Rambla"/>
-              </a:rPr>
-              <a:t>(a cholesterol measurement), and other heart and lung function measurements.</a:t>
-            </a:r>
-          </a:p>
-          <a:p>
-            <a:pPr marL="306000" indent="-306000">
-              <a:spcBef>
-                <a:spcPct val="20000"/>
-              </a:spcBef>
-              <a:spcAft>
-                <a:spcPts val="600"/>
-              </a:spcAft>
-              <a:buClr>
-                <a:schemeClr val="accent1"/>
-              </a:buClr>
-              <a:buSzPct val="92000"/>
-              <a:buFont typeface="Wingdings 2" panose="05020102010507070707" pitchFamily="18" charset="2"/>
-              <a:buChar char=""/>
-            </a:pPr>
-            <a:r>
-              <a:rPr lang="en-US" altLang="zh-CN" sz="1600" dirty="0">
-                <a:solidFill>
-                  <a:schemeClr val="tx1">
-                    <a:lumMod val="75000"/>
-                    <a:lumOff val="25000"/>
-                  </a:schemeClr>
-                </a:solidFill>
-                <a:sym typeface="Rambla"/>
-              </a:rPr>
-              <a:t>Cross-validation yields a tree with six terminal nodes.</a:t>
-            </a:r>
-          </a:p>
-        </p:txBody>
-      </p:sp>
-      <p:pic>
-        <p:nvPicPr>
-          <p:cNvPr id="9" name="Picture 8">
-            <a:extLst>
-              <a:ext uri="{FF2B5EF4-FFF2-40B4-BE49-F238E27FC236}">
-                <a16:creationId xmlns:a16="http://schemas.microsoft.com/office/drawing/2014/main" id="{49977657-F8B7-EEEC-282F-3A041EB38DDC}"/>
-              </a:ext>
-            </a:extLst>
-          </p:cNvPr>
-          <p:cNvPicPr>
-            <a:picLocks noChangeAspect="1"/>
-          </p:cNvPicPr>
-          <p:nvPr/>
-        </p:nvPicPr>
-        <p:blipFill>
-          <a:blip r:embed="rId3"/>
-          <a:stretch>
-            <a:fillRect/>
-          </a:stretch>
-        </p:blipFill>
-        <p:spPr>
-          <a:xfrm>
-            <a:off x="650551" y="3700510"/>
-            <a:ext cx="3962819" cy="2973421"/>
-          </a:xfrm>
-          <a:prstGeom prst="rect">
-            <a:avLst/>
-          </a:prstGeom>
-        </p:spPr>
-      </p:pic>
-      <p:pic>
-        <p:nvPicPr>
-          <p:cNvPr id="4" name="Picture 3">
-            <a:extLst>
-              <a:ext uri="{FF2B5EF4-FFF2-40B4-BE49-F238E27FC236}">
-                <a16:creationId xmlns:a16="http://schemas.microsoft.com/office/drawing/2014/main" id="{E296C3DC-7638-377D-C570-3AEB20264EB0}"/>
-              </a:ext>
-            </a:extLst>
-          </p:cNvPr>
-          <p:cNvPicPr>
-            <a:picLocks noChangeAspect="1"/>
-          </p:cNvPicPr>
-          <p:nvPr/>
-        </p:nvPicPr>
-        <p:blipFill>
-          <a:blip r:embed="rId4"/>
-          <a:stretch>
-            <a:fillRect/>
-          </a:stretch>
-        </p:blipFill>
-        <p:spPr>
-          <a:xfrm>
-            <a:off x="8080065" y="4203425"/>
-            <a:ext cx="2651027" cy="2562793"/>
-          </a:xfrm>
-          <a:prstGeom prst="rect">
-            <a:avLst/>
-          </a:prstGeom>
-        </p:spPr>
-      </p:pic>
-      <p:cxnSp>
-        <p:nvCxnSpPr>
-          <p:cNvPr id="10" name="Connector: Curved 9">
-            <a:extLst>
-              <a:ext uri="{FF2B5EF4-FFF2-40B4-BE49-F238E27FC236}">
-                <a16:creationId xmlns:a16="http://schemas.microsoft.com/office/drawing/2014/main" id="{2D2682C6-2F16-08C8-0D65-BDCBC7757002}"/>
-              </a:ext>
-            </a:extLst>
-          </p:cNvPr>
-          <p:cNvCxnSpPr/>
-          <p:nvPr/>
-        </p:nvCxnSpPr>
-        <p:spPr>
-          <a:xfrm>
-            <a:off x="6919609" y="4203425"/>
-            <a:ext cx="1297021" cy="1250549"/>
-          </a:xfrm>
-          <a:prstGeom prst="curvedConnector3">
-            <a:avLst/>
-          </a:prstGeom>
-          <a:ln>
-            <a:tailEnd type="triangle"/>
-          </a:ln>
-        </p:spPr>
-        <p:style>
-          <a:lnRef idx="1">
-            <a:schemeClr val="accent1"/>
-          </a:lnRef>
-          <a:fillRef idx="0">
-            <a:schemeClr val="accent1"/>
-          </a:fillRef>
-          <a:effectRef idx="0">
-            <a:schemeClr val="accent1"/>
-          </a:effectRef>
-          <a:fontRef idx="minor">
-            <a:schemeClr val="tx1"/>
-          </a:fontRef>
-        </p:style>
-      </p:cxnSp>
-      <p:sp>
-        <p:nvSpPr>
-          <p:cNvPr id="12" name="TextBox 11">
-            <a:extLst>
-              <a:ext uri="{FF2B5EF4-FFF2-40B4-BE49-F238E27FC236}">
-                <a16:creationId xmlns:a16="http://schemas.microsoft.com/office/drawing/2014/main" id="{17E89C0C-6202-8A22-69FE-D15909B9D679}"/>
-              </a:ext>
-            </a:extLst>
-          </p:cNvPr>
-          <p:cNvSpPr txBox="1"/>
-          <p:nvPr/>
-        </p:nvSpPr>
-        <p:spPr>
-          <a:xfrm>
-            <a:off x="6347582" y="4614472"/>
-            <a:ext cx="1595336" cy="369332"/>
-          </a:xfrm>
-          <a:prstGeom prst="rect">
-            <a:avLst/>
-          </a:prstGeom>
-          <a:noFill/>
-        </p:spPr>
-        <p:txBody>
-          <a:bodyPr wrap="square" rtlCol="0">
-            <a:spAutoFit/>
-          </a:bodyPr>
-          <a:lstStyle/>
-          <a:p>
-            <a:r>
-              <a:rPr lang="en-US" dirty="0"/>
-              <a:t>Pruning </a:t>
-            </a:r>
-          </a:p>
-        </p:txBody>
-      </p:sp>
     </p:spTree>
     <p:extLst>
       <p:ext uri="{BB962C8B-B14F-4D97-AF65-F5344CB8AC3E}">
-        <p14:creationId xmlns:p14="http://schemas.microsoft.com/office/powerpoint/2010/main" val="3489310521"/>
-      </p:ext>
-    </p:extLst>
-  </p:cSld>
-  <p:clrMapOvr>
-    <a:masterClrMapping/>
-  </p:clrMapOvr>
-</p:sld>
-</file>
-
-<file path=ppt/slides/slide9.xml><?xml version="1.0" encoding="utf-8"?>
-<p:sld xmlns:a="http://schemas.openxmlformats.org/drawingml/2006/main" xmlns:r="http://schemas.openxmlformats.org/officeDocument/2006/relationships" xmlns:p="http://schemas.openxmlformats.org/presentationml/2006/main">
-  <p:cSld>
-    <p:spTree>
-      <p:nvGrpSpPr>
-        <p:cNvPr id="1" name="">
-          <a:extLst>
-            <a:ext uri="{FF2B5EF4-FFF2-40B4-BE49-F238E27FC236}">
-              <a16:creationId xmlns:a16="http://schemas.microsoft.com/office/drawing/2014/main" id="{DFD51217-297E-84F9-DCFD-11FE63AD8D97}"/>
-            </a:ext>
-          </a:extLst>
-        </p:cNvPr>
-        <p:cNvGrpSpPr/>
-        <p:nvPr/>
-      </p:nvGrpSpPr>
-      <p:grpSpPr>
-        <a:xfrm>
-          <a:off x="0" y="0"/>
-          <a:ext cx="0" cy="0"/>
-          <a:chOff x="0" y="0"/>
-          <a:chExt cx="0" cy="0"/>
-        </a:xfrm>
-      </p:grpSpPr>
-      <p:pic>
-        <p:nvPicPr>
-          <p:cNvPr id="4" name="Picture 3">
-            <a:extLst>
-              <a:ext uri="{FF2B5EF4-FFF2-40B4-BE49-F238E27FC236}">
-                <a16:creationId xmlns:a16="http://schemas.microsoft.com/office/drawing/2014/main" id="{744CCF58-D186-3AF6-A8EA-7A38B653CBC9}"/>
-              </a:ext>
-            </a:extLst>
-          </p:cNvPr>
-          <p:cNvPicPr>
-            <a:picLocks noChangeAspect="1"/>
-          </p:cNvPicPr>
-          <p:nvPr/>
-        </p:nvPicPr>
-        <p:blipFill>
-          <a:blip r:embed="rId2"/>
-          <a:stretch>
-            <a:fillRect/>
-          </a:stretch>
-        </p:blipFill>
-        <p:spPr>
-          <a:xfrm>
-            <a:off x="6738025" y="1019196"/>
-            <a:ext cx="5142755" cy="4729176"/>
-          </a:xfrm>
-          <a:prstGeom prst="rect">
-            <a:avLst/>
-          </a:prstGeom>
-        </p:spPr>
-      </p:pic>
-      <p:sp>
-        <p:nvSpPr>
-          <p:cNvPr id="2" name="Title 1">
-            <a:extLst>
-              <a:ext uri="{FF2B5EF4-FFF2-40B4-BE49-F238E27FC236}">
-                <a16:creationId xmlns:a16="http://schemas.microsoft.com/office/drawing/2014/main" id="{D3496CFF-6F63-215C-2CB4-020B97ED6978}"/>
-              </a:ext>
-            </a:extLst>
-          </p:cNvPr>
-          <p:cNvSpPr>
-            <a:spLocks noGrp="1"/>
-          </p:cNvSpPr>
-          <p:nvPr>
-            <p:ph type="title"/>
-          </p:nvPr>
-        </p:nvSpPr>
-        <p:spPr>
-          <a:xfrm>
-            <a:off x="393124" y="590545"/>
-            <a:ext cx="11029616" cy="565535"/>
-          </a:xfrm>
-        </p:spPr>
-        <p:txBody>
-          <a:bodyPr>
-            <a:normAutofit/>
-          </a:bodyPr>
-          <a:lstStyle/>
-          <a:p>
-            <a:r>
-              <a:rPr lang="en-US" dirty="0"/>
-              <a:t>Advantages and Disadvantages of Trees</a:t>
-            </a:r>
-          </a:p>
-        </p:txBody>
-      </p:sp>
-      <p:sp>
-        <p:nvSpPr>
-          <p:cNvPr id="11" name="TextBox 10">
-            <a:extLst>
-              <a:ext uri="{FF2B5EF4-FFF2-40B4-BE49-F238E27FC236}">
-                <a16:creationId xmlns:a16="http://schemas.microsoft.com/office/drawing/2014/main" id="{0F6C4AB8-9539-88A6-A02D-328441CB13AA}"/>
-              </a:ext>
-            </a:extLst>
-          </p:cNvPr>
-          <p:cNvSpPr txBox="1"/>
-          <p:nvPr/>
-        </p:nvSpPr>
-        <p:spPr>
-          <a:xfrm>
-            <a:off x="162062" y="1462507"/>
-            <a:ext cx="5817206" cy="4422749"/>
-          </a:xfrm>
-          <a:prstGeom prst="rect">
-            <a:avLst/>
-          </a:prstGeom>
-          <a:noFill/>
-        </p:spPr>
-        <p:txBody>
-          <a:bodyPr wrap="square">
-            <a:spAutoFit/>
-          </a:bodyPr>
-          <a:lstStyle/>
-          <a:p>
-            <a:pPr marL="306000" indent="-306000">
-              <a:spcBef>
-                <a:spcPct val="20000"/>
-              </a:spcBef>
-              <a:spcAft>
-                <a:spcPts val="600"/>
-              </a:spcAft>
-              <a:buClr>
-                <a:schemeClr val="accent1"/>
-              </a:buClr>
-              <a:buSzPct val="92000"/>
-              <a:buFont typeface="Wingdings 2" panose="05020102010507070707" pitchFamily="18" charset="2"/>
-              <a:buChar char=""/>
-            </a:pPr>
-            <a:r>
-              <a:rPr lang="en-US" sz="1600" dirty="0">
-                <a:solidFill>
-                  <a:schemeClr val="tx1">
-                    <a:lumMod val="75000"/>
-                    <a:lumOff val="25000"/>
-                  </a:schemeClr>
-                </a:solidFill>
-              </a:rPr>
-              <a:t>Advantages</a:t>
-            </a:r>
-          </a:p>
-          <a:p>
-            <a:pPr marL="763200" lvl="1" indent="-306000">
-              <a:spcBef>
-                <a:spcPct val="20000"/>
-              </a:spcBef>
-              <a:spcAft>
-                <a:spcPts val="600"/>
-              </a:spcAft>
-              <a:buClr>
-                <a:schemeClr val="accent1"/>
-              </a:buClr>
-              <a:buSzPct val="92000"/>
-              <a:buFont typeface="Wingdings 2" panose="05020102010507070707" pitchFamily="18" charset="2"/>
-              <a:buChar char=""/>
-            </a:pPr>
-            <a:r>
-              <a:rPr lang="en-US" sz="1600" dirty="0">
-                <a:solidFill>
-                  <a:schemeClr val="tx1">
-                    <a:lumMod val="75000"/>
-                    <a:lumOff val="25000"/>
-                  </a:schemeClr>
-                </a:solidFill>
-              </a:rPr>
-              <a:t>Trees are very easy to explain to people.</a:t>
-            </a:r>
-          </a:p>
-          <a:p>
-            <a:pPr marL="763200" lvl="1" indent="-306000">
-              <a:spcBef>
-                <a:spcPct val="20000"/>
-              </a:spcBef>
-              <a:spcAft>
-                <a:spcPts val="600"/>
-              </a:spcAft>
-              <a:buClr>
-                <a:schemeClr val="accent1"/>
-              </a:buClr>
-              <a:buSzPct val="92000"/>
-              <a:buFont typeface="Wingdings 2" panose="05020102010507070707" pitchFamily="18" charset="2"/>
-              <a:buChar char=""/>
-            </a:pPr>
-            <a:r>
-              <a:rPr lang="en-US" altLang="zh-CN" sz="1600" dirty="0">
-                <a:solidFill>
-                  <a:schemeClr val="tx1">
-                    <a:lumMod val="75000"/>
-                    <a:lumOff val="25000"/>
-                  </a:schemeClr>
-                </a:solidFill>
-                <a:sym typeface="Rambla"/>
-              </a:rPr>
-              <a:t>Trees can be displayed graphically.</a:t>
-            </a:r>
-          </a:p>
-          <a:p>
-            <a:pPr marL="763200" lvl="1" indent="-306000">
-              <a:spcBef>
-                <a:spcPct val="20000"/>
-              </a:spcBef>
-              <a:spcAft>
-                <a:spcPts val="600"/>
-              </a:spcAft>
-              <a:buClr>
-                <a:schemeClr val="accent1"/>
-              </a:buClr>
-              <a:buSzPct val="92000"/>
-              <a:buFont typeface="Wingdings 2" panose="05020102010507070707" pitchFamily="18" charset="2"/>
-              <a:buChar char=""/>
-            </a:pPr>
-            <a:r>
-              <a:rPr lang="en-US" altLang="zh-CN" sz="1600" dirty="0">
-                <a:solidFill>
-                  <a:schemeClr val="tx1">
-                    <a:lumMod val="75000"/>
-                    <a:lumOff val="25000"/>
-                  </a:schemeClr>
-                </a:solidFill>
-                <a:sym typeface="Rambla"/>
-              </a:rPr>
-              <a:t>Trees can easily handle qualitative predictors without the need to create dummy variables.</a:t>
-            </a:r>
-          </a:p>
-          <a:p>
-            <a:pPr marL="763200" lvl="1" indent="-306000">
-              <a:spcBef>
-                <a:spcPct val="20000"/>
-              </a:spcBef>
-              <a:spcAft>
-                <a:spcPts val="600"/>
-              </a:spcAft>
-              <a:buClr>
-                <a:schemeClr val="accent1"/>
-              </a:buClr>
-              <a:buSzPct val="92000"/>
-              <a:buFont typeface="Wingdings 2" panose="05020102010507070707" pitchFamily="18" charset="2"/>
-              <a:buChar char=""/>
-            </a:pPr>
-            <a:r>
-              <a:rPr lang="en-US" altLang="zh-CN" sz="1600" dirty="0">
-                <a:solidFill>
-                  <a:schemeClr val="tx1">
-                    <a:lumMod val="75000"/>
-                    <a:lumOff val="25000"/>
-                  </a:schemeClr>
-                </a:solidFill>
-                <a:sym typeface="Rambla"/>
-              </a:rPr>
-              <a:t>Trees will not consider irrelevant features; no feature selection is needed.</a:t>
-            </a:r>
-          </a:p>
-          <a:p>
-            <a:pPr marL="306000" indent="-306000">
-              <a:spcBef>
-                <a:spcPct val="20000"/>
-              </a:spcBef>
-              <a:spcAft>
-                <a:spcPts val="600"/>
-              </a:spcAft>
-              <a:buClr>
-                <a:schemeClr val="accent1"/>
-              </a:buClr>
-              <a:buSzPct val="92000"/>
-              <a:buFont typeface="Wingdings 2" panose="05020102010507070707" pitchFamily="18" charset="2"/>
-              <a:buChar char=""/>
-            </a:pPr>
-            <a:r>
-              <a:rPr lang="en-US" altLang="zh-CN" sz="1600" dirty="0">
-                <a:solidFill>
-                  <a:schemeClr val="tx1">
-                    <a:lumMod val="75000"/>
-                    <a:lumOff val="25000"/>
-                  </a:schemeClr>
-                </a:solidFill>
-                <a:sym typeface="Rambla"/>
-              </a:rPr>
-              <a:t>Disadvantages</a:t>
-            </a:r>
-          </a:p>
-          <a:p>
-            <a:pPr marL="763200" lvl="1" indent="-306000">
-              <a:spcBef>
-                <a:spcPct val="20000"/>
-              </a:spcBef>
-              <a:spcAft>
-                <a:spcPts val="600"/>
-              </a:spcAft>
-              <a:buClr>
-                <a:schemeClr val="accent1"/>
-              </a:buClr>
-              <a:buSzPct val="92000"/>
-              <a:buFont typeface="Wingdings 2" panose="05020102010507070707" pitchFamily="18" charset="2"/>
-              <a:buChar char=""/>
-            </a:pPr>
-            <a:r>
-              <a:rPr lang="en-US" altLang="zh-CN" sz="1600" dirty="0">
-                <a:solidFill>
-                  <a:schemeClr val="tx1">
-                    <a:lumMod val="75000"/>
-                    <a:lumOff val="25000"/>
-                  </a:schemeClr>
-                </a:solidFill>
-                <a:sym typeface="Rambla"/>
-              </a:rPr>
-              <a:t>Standard pruned trees usually do not achieve the same predictive accuracy than other regression or classification methods</a:t>
-            </a:r>
-          </a:p>
-          <a:p>
-            <a:pPr marL="763200" lvl="1" indent="-306000">
-              <a:spcBef>
-                <a:spcPct val="20000"/>
-              </a:spcBef>
-              <a:spcAft>
-                <a:spcPts val="600"/>
-              </a:spcAft>
-              <a:buClr>
-                <a:schemeClr val="accent1"/>
-              </a:buClr>
-              <a:buSzPct val="92000"/>
-              <a:buFont typeface="Wingdings 2" panose="05020102010507070707" pitchFamily="18" charset="2"/>
-              <a:buChar char=""/>
-            </a:pPr>
-            <a:r>
-              <a:rPr lang="en-US" altLang="zh-CN" sz="1600" dirty="0">
-                <a:solidFill>
-                  <a:schemeClr val="tx1">
-                    <a:lumMod val="75000"/>
-                    <a:lumOff val="25000"/>
-                  </a:schemeClr>
-                </a:solidFill>
-                <a:sym typeface="Rambla"/>
-              </a:rPr>
-              <a:t>Trees can be very volatile from sample to sample, i.e., they exhibit a high variance. This leads to refined tree-building strategies aimed at reducing the variance.</a:t>
-            </a:r>
-          </a:p>
-        </p:txBody>
-      </p:sp>
-      <p:sp>
-        <p:nvSpPr>
-          <p:cNvPr id="5" name="TextBox 4">
-            <a:extLst>
-              <a:ext uri="{FF2B5EF4-FFF2-40B4-BE49-F238E27FC236}">
-                <a16:creationId xmlns:a16="http://schemas.microsoft.com/office/drawing/2014/main" id="{E8933FE8-AE58-4074-5932-82F007447DAE}"/>
-              </a:ext>
-            </a:extLst>
-          </p:cNvPr>
-          <p:cNvSpPr txBox="1"/>
-          <p:nvPr/>
-        </p:nvSpPr>
-        <p:spPr>
-          <a:xfrm>
-            <a:off x="5979268" y="5748372"/>
-            <a:ext cx="6150349" cy="584775"/>
-          </a:xfrm>
-          <a:prstGeom prst="rect">
-            <a:avLst/>
-          </a:prstGeom>
-          <a:noFill/>
-        </p:spPr>
-        <p:txBody>
-          <a:bodyPr wrap="square" rtlCol="0">
-            <a:spAutoFit/>
-          </a:bodyPr>
-          <a:lstStyle/>
-          <a:p>
-            <a:pPr algn="ctr"/>
-            <a:r>
-              <a:rPr lang="en-US" sz="1600" b="1" dirty="0">
-                <a:solidFill>
-                  <a:schemeClr val="tx1">
-                    <a:lumMod val="75000"/>
-                    <a:lumOff val="25000"/>
-                  </a:schemeClr>
-                </a:solidFill>
-              </a:rPr>
-              <a:t>Top Row</a:t>
-            </a:r>
-            <a:r>
-              <a:rPr lang="en-US" sz="1600" dirty="0">
-                <a:solidFill>
-                  <a:schemeClr val="tx1">
-                    <a:lumMod val="75000"/>
-                    <a:lumOff val="25000"/>
-                  </a:schemeClr>
-                </a:solidFill>
-              </a:rPr>
-              <a:t>: True linear boundary; </a:t>
-            </a:r>
-            <a:r>
-              <a:rPr lang="en-US" sz="1600" b="1" dirty="0">
-                <a:solidFill>
-                  <a:schemeClr val="tx1">
-                    <a:lumMod val="75000"/>
-                    <a:lumOff val="25000"/>
-                  </a:schemeClr>
-                </a:solidFill>
-              </a:rPr>
-              <a:t>Bottom row</a:t>
-            </a:r>
-            <a:r>
-              <a:rPr lang="en-US" sz="1600" dirty="0">
-                <a:solidFill>
-                  <a:schemeClr val="tx1">
-                    <a:lumMod val="75000"/>
-                    <a:lumOff val="25000"/>
-                  </a:schemeClr>
-                </a:solidFill>
-              </a:rPr>
-              <a:t>: true non-linear boundary.</a:t>
-            </a:r>
-          </a:p>
-          <a:p>
-            <a:pPr algn="ctr"/>
-            <a:r>
-              <a:rPr lang="en-US" sz="1600" b="1" dirty="0">
-                <a:solidFill>
-                  <a:schemeClr val="tx1">
-                    <a:lumMod val="75000"/>
-                    <a:lumOff val="25000"/>
-                  </a:schemeClr>
-                </a:solidFill>
-              </a:rPr>
-              <a:t>Left column</a:t>
-            </a:r>
-            <a:r>
-              <a:rPr lang="en-US" sz="1600" dirty="0">
-                <a:solidFill>
-                  <a:schemeClr val="tx1">
-                    <a:lumMod val="75000"/>
-                    <a:lumOff val="25000"/>
-                  </a:schemeClr>
-                </a:solidFill>
-              </a:rPr>
-              <a:t>: linear model; </a:t>
-            </a:r>
-            <a:r>
-              <a:rPr lang="en-US" sz="1600" b="1" dirty="0">
-                <a:solidFill>
-                  <a:schemeClr val="tx1">
-                    <a:lumMod val="75000"/>
-                    <a:lumOff val="25000"/>
-                  </a:schemeClr>
-                </a:solidFill>
-              </a:rPr>
-              <a:t>Right column</a:t>
-            </a:r>
-            <a:r>
-              <a:rPr lang="en-US" sz="1600" dirty="0">
-                <a:solidFill>
-                  <a:schemeClr val="tx1">
-                    <a:lumMod val="75000"/>
-                    <a:lumOff val="25000"/>
-                  </a:schemeClr>
-                </a:solidFill>
-              </a:rPr>
-              <a:t>: tree-based model</a:t>
-            </a:r>
-          </a:p>
-        </p:txBody>
-      </p:sp>
-    </p:spTree>
-    <p:extLst>
-      <p:ext uri="{BB962C8B-B14F-4D97-AF65-F5344CB8AC3E}">
-        <p14:creationId xmlns:p14="http://schemas.microsoft.com/office/powerpoint/2010/main" val="3035811978"/>
+        <p14:creationId xmlns:p14="http://schemas.microsoft.com/office/powerpoint/2010/main" val="261653759"/>
       </p:ext>
     </p:extLst>
   </p:cSld>
@@ -12542,14 +12759,6 @@
 </file>
 
 <file path=customXml/item1.xml><?xml version="1.0" encoding="utf-8"?>
-<p:properties xmlns:p="http://schemas.microsoft.com/office/2006/metadata/properties" xmlns:xsi="http://www.w3.org/2001/XMLSchema-instance" xmlns:pc="http://schemas.microsoft.com/office/infopath/2007/PartnerControls">
-  <documentManagement>
-    <_activity xmlns="8568f56f-95be-480d-9847-691e388c16c7" xsi:nil="true"/>
-  </documentManagement>
-</p:properties>
-</file>
-
-<file path=customXml/item2.xml><?xml version="1.0" encoding="utf-8"?>
 <ct:contentTypeSchema xmlns:ct="http://schemas.microsoft.com/office/2006/metadata/contentType" xmlns:ma="http://schemas.microsoft.com/office/2006/metadata/properties/metaAttributes" ct:_="" ma:_="" ma:contentTypeName="Document" ma:contentTypeID="0x0101000747223789A2B5459313374F6355700B" ma:contentTypeVersion="17" ma:contentTypeDescription="Create a new document." ma:contentTypeScope="" ma:versionID="392feb83960aeb7831dd884106571ec0">
   <xsd:schema xmlns:xsd="http://www.w3.org/2001/XMLSchema" xmlns:xs="http://www.w3.org/2001/XMLSchema" xmlns:p="http://schemas.microsoft.com/office/2006/metadata/properties" xmlns:ns3="8568f56f-95be-480d-9847-691e388c16c7" xmlns:ns4="55df151c-6499-4cc8-98d3-d565bf78f430" targetNamespace="http://schemas.microsoft.com/office/2006/metadata/properties" ma:root="true" ma:fieldsID="dc102bafde6d781d5dcf64ea7bbda52a" ns3:_="" ns4:_="">
     <xsd:import namespace="8568f56f-95be-480d-9847-691e388c16c7"/>
@@ -12796,6 +13005,14 @@
 </ct:contentTypeSchema>
 </file>
 
+<file path=customXml/item2.xml><?xml version="1.0" encoding="utf-8"?>
+<p:properties xmlns:p="http://schemas.microsoft.com/office/2006/metadata/properties" xmlns:xsi="http://www.w3.org/2001/XMLSchema-instance" xmlns:pc="http://schemas.microsoft.com/office/infopath/2007/PartnerControls">
+  <documentManagement>
+    <_activity xmlns="8568f56f-95be-480d-9847-691e388c16c7" xsi:nil="true"/>
+  </documentManagement>
+</p:properties>
+</file>
+
 <file path=customXml/item3.xml><?xml version="1.0" encoding="utf-8"?>
 <?mso-contentType ?>
 <FormTemplates xmlns="http://schemas.microsoft.com/sharepoint/v3/contenttype/forms">
@@ -12806,23 +13023,6 @@
 </file>
 
 <file path=customXml/itemProps1.xml><?xml version="1.0" encoding="utf-8"?>
-<ds:datastoreItem xmlns:ds="http://schemas.openxmlformats.org/officeDocument/2006/customXml" ds:itemID="{64926E09-10F9-4908-B49D-70144A5FC6EA}">
-  <ds:schemaRefs>
-    <ds:schemaRef ds:uri="http://schemas.microsoft.com/office/2006/metadata/properties"/>
-    <ds:schemaRef ds:uri="http://schemas.microsoft.com/office/infopath/2007/PartnerControls"/>
-    <ds:schemaRef ds:uri="http://schemas.microsoft.com/office/2006/documentManagement/types"/>
-    <ds:schemaRef ds:uri="http://purl.org/dc/elements/1.1/"/>
-    <ds:schemaRef ds:uri="55df151c-6499-4cc8-98d3-d565bf78f430"/>
-    <ds:schemaRef ds:uri="http://schemas.openxmlformats.org/package/2006/metadata/core-properties"/>
-    <ds:schemaRef ds:uri="http://purl.org/dc/terms/"/>
-    <ds:schemaRef ds:uri="8568f56f-95be-480d-9847-691e388c16c7"/>
-    <ds:schemaRef ds:uri="http://www.w3.org/XML/1998/namespace"/>
-    <ds:schemaRef ds:uri="http://purl.org/dc/dcmitype/"/>
-  </ds:schemaRefs>
-</ds:datastoreItem>
-</file>
-
-<file path=customXml/itemProps2.xml><?xml version="1.0" encoding="utf-8"?>
 <ds:datastoreItem xmlns:ds="http://schemas.openxmlformats.org/officeDocument/2006/customXml" ds:itemID="{BEB71C5A-6A82-4048-A40A-CDCB24C25624}">
   <ds:schemaRefs>
     <ds:schemaRef ds:uri="http://schemas.microsoft.com/office/2006/metadata/contentType"/>
@@ -12841,6 +13041,23 @@
 </ds:datastoreItem>
 </file>
 
+<file path=customXml/itemProps2.xml><?xml version="1.0" encoding="utf-8"?>
+<ds:datastoreItem xmlns:ds="http://schemas.openxmlformats.org/officeDocument/2006/customXml" ds:itemID="{64926E09-10F9-4908-B49D-70144A5FC6EA}">
+  <ds:schemaRefs>
+    <ds:schemaRef ds:uri="http://schemas.microsoft.com/office/2006/metadata/properties"/>
+    <ds:schemaRef ds:uri="http://schemas.microsoft.com/office/infopath/2007/PartnerControls"/>
+    <ds:schemaRef ds:uri="http://schemas.microsoft.com/office/2006/documentManagement/types"/>
+    <ds:schemaRef ds:uri="http://purl.org/dc/elements/1.1/"/>
+    <ds:schemaRef ds:uri="55df151c-6499-4cc8-98d3-d565bf78f430"/>
+    <ds:schemaRef ds:uri="http://schemas.openxmlformats.org/package/2006/metadata/core-properties"/>
+    <ds:schemaRef ds:uri="http://purl.org/dc/terms/"/>
+    <ds:schemaRef ds:uri="8568f56f-95be-480d-9847-691e388c16c7"/>
+    <ds:schemaRef ds:uri="http://www.w3.org/XML/1998/namespace"/>
+    <ds:schemaRef ds:uri="http://purl.org/dc/dcmitype/"/>
+  </ds:schemaRefs>
+</ds:datastoreItem>
+</file>
+
 <file path=customXml/itemProps3.xml><?xml version="1.0" encoding="utf-8"?>
 <ds:datastoreItem xmlns:ds="http://schemas.openxmlformats.org/officeDocument/2006/customXml" ds:itemID="{DF77006A-693A-4CB1-AAAC-65D17757C730}">
   <ds:schemaRefs>
